--- a/5-Backpropagation/gradient_based_optimization.pptx
+++ b/5-Backpropagation/gradient_based_optimization.pptx
@@ -423,8 +423,8 @@
   </inkml:definitions>
   <inkml:trace contextRef="#ctx0" brushRef="#br0">1 145 8064,'0'0'1093,"0"0"-403,0 0-158,0 0-53,0 0 31,0 0-91,0 1-79,0 2-67,0-2-238,0 2 116,0 0 101,0 0 88,0 2 199,0 1 93,-1 1 150,1 10 1133,0-10-1273,0-2-190,0-1-45,0 1-55,1 0-66,-1-2-127,0 0-43,0 0-46,1 0-50,-1-1-53,0 1-59,1-1-60,-1 0-66,4 9 449,1 3 66,-4 1-14,-1-2-152,0 14 46,2 3-69,1-10-60,3 16 46,-5-6 4,0-10-13,0-1 1,1 0-1,0 0 0,4 9-85,2 11 134,-2 2 83,0-3 49,0-4 45,2-19-85,3-6-71,-8-8-132,-1 0 0,1-1 0,0 1 0,0 0 0,0-1 0,0 0 1,0 0-1,1 0-23,-3 0-1,0 0 0,0 0 1,0 0-1,0 0 0,0 0 1,-1-1-1,1 1 0,0 0 1,0-1-1,0 1 0,-1 0 1,1-1-1,0 1 0,0-1 0,-1 1 1,1-1-1,-1 0 0,1 1 1,0-1-1,-1 0 1,11-17-38,1-2-1,-12 20 38,5-5-18,-1 0-1,1 0 1,-1 0-1,1-2 20,6-16-22,-7 7 66,0 1 1,0-10-45,2-7 38,0 12-53,3-21 9,-8 33 6,0 0 0,1 1 0,0-1 0,0 1 0,1-1 0,1-2 0,-2 6 2,0 0-1,-1 0 0,1 0 0,-1 0 0,0-1 0,0 1 1,0 0-1,-1-1 0,1-3-1,-1 8 4,0-1-1,0 0 1,0 1 0,0-1-1,0 0 1,0 1 0,0-1 0,0 1-1,1-1 1,-1 0 0,0 1-1,0-1 1,1 1 0,-1-1 0,0 1-1,1-1 1,-1 1 0,1-1-1,-1 1 1,0-1 0,1 1-1,-1-1 1,1 1 0,-1 0 0,1-1-1,-1 1 1,1 0 0,0 0-1,-1-1 1,1 1 0,-1 0-1,1 0 1,0 0 0,-1 0 0,1-1-4,8 5-7,-4 3 17,0 4 52,-1-3-1,10 24 206,-2 0-51,3 20 32,-2 0-60,14 49 121,-12-59-150,-5-10 107,-9-28-215,0-1-1,-1 0 0,1 0 0,0 0 1,1 0-1,0 3-50,-1-5 21,0 0-1,0 0 1,0 0 0,0 0-1,0 0 1,0 0-1,0 0 1,0 0 0,0-1-1,0 1 1,1 0 0,-1-1-21,0 1 4,-1-1 1,0 0-1,0 0 0,0 0 1,1 0-1,-1 0 1,0 1-1,0-1 1,1 0-1,-1 0 1,0 0-1,0 0 1,1 0-1,-1 0 1,0 0-1,1 0 1,-1 0-1,0 0 1,0 0-1,1 0 1,-1 0-1,0 0 0,0 0 1,1 0-1,-1-1 1,0 1-1,0 0 1,1 0-1,-1 0 1,0 0-1,0-1-4,5 0 18,11-9 34,-2-7 22,5-14-9,6-6-56,11-17-29,-7 3-61,-9 9 39,11-33 42,-16 34-81,-2 5-57,-7 18 50,-2 5-13,-1 0-63,1 0-80,1 0-101,-2 7 128,0 0-32,11-14-882,-11 16 841,0 0-49,1 0-80,-1 0-84,0 0-102,0 0-118,-1 2 313,-1 0-36,1-1-37,-1 1-40,0 0-41,1 0-44,-1-1-46,0 1-47,0-1-206,0 1-46,-1-1-235,0-1-644</inkml:trace>
   <inkml:trace contextRef="#ctx0" brushRef="#br0" timeOffset="571.721">760 445 8576,'0'-2'874,"0"0"-97,0-1-89,0 1-84,1 0-78,-1-1-73,1 1-65,-1 0-61,1 0-24,0 0-60,0 0-51,0 0-43,1-2 52,4-3 108,-4 5-166,-1 0 63,1 0-44,-1 1 36,0 0 40,0 0 45,1-5 607,0-8-303,6 1-44,2 0-42,3-1-37,-10 12-388,4-9 390,2-2 70,12-2-11,-9 8-353,-6 4-116,1-1-37,-2 1-47,0 1-54,-5 2 84,1-1 1,0 1 0,-1 0 0,1 0-1,-1 0 1,1 0 0,-1-1 0,1 1-1,0 0 1,-1 0 0,1 0 0,-1 0-1,1 0 1,0 0 0,-1 1 0,1-1-1,-1 0 1,1 0 0,0 0 0,-1 1-3,10 8 21,-2 3-35,-4-1-38,3 9-14,1 0 56,-3-7 44,0 0-1,-1 0 1,0 1 0,-1 1-34,0 10 44,3 11 24,-1-14-52,-2-15-42,-1 0 0,0 0 0,0 0 0,-1 1 1,0-1-1,0 1 0,-1 3 26,1-5-19,-1 1 1,1-1 0,0 0 0,0 0 0,2 3 18,1 7-5,-3 0 47,-1-14-68,0-2-36,0 0-26,0 0-54,0 0-142,0 0 37,0-1 36,-1 0-121,1-1 62,0 1 135,0 0 35,0-3-152,0 3 124,-1 0-48,0-1-106,0-1-45,-2-3-436,0 0-84,-3-7-1243,5 9 1489,-1 0 50,1 0-18,0 2 330,0 0 34,0-2-465,1 1-47,-1 0-187,1-1-501</inkml:trace>
-  <inkml:trace contextRef="#ctx0" brushRef="#br0" timeOffset="901.527">916 445 6784,'0'0'899,"0"0"-330,0 0-130,0 0-42,0 0 26,0 0-72,0 0-64,0 0-52,0 0 517,0 0-343,0 0 302,0 0 425,0-2 10,0-6-68,0 7-466,0 0-265,0 1-78,0 0 60,0-2 268,0-2-12,-2 0-90,0 0-83,-1 1-76,0 1-68,-1 0-63,0 1-53,-1-1-47,-1 2-32,-1-1-44,-3 1-41,-12 1-71,13-1 107,2 0 91,-18 4-82,8 2 66,6-1 15,2 1 53,2 1 62,2 1 73,1-1-138,3-6-130,0 0 0,1 0 1,-1 0-1,0 1 0,1-1 0,-1 0 1,1 1-1,-1-1 0,1 0 0,0 1 1,-1-1-1,1 1 0,0-1 0,0 0 1,0 1-1,0-1 0,0 1 0,1-1 1,-1 0-1,0 1 0,1-1 0,-1 2-34,6 8 144,2 1-55,4 1-31,5 5-27,-15-16-27,-1-1 3,0 0 0,1 1 0,-1-1 0,0 0 0,1 0 0,-1 0 1,1 0-1,0 0 0,-1-1 0,1 1 0,0 0 0,-1-1 0,1 1 0,0-1 1,1 1-8,7 1 26,-5 0-85,-1-1 49,7 3 105,-7-3-81,-1-1-46,1 1-48,-1-1-83,2 1-95,0-1-115,-2 0 139,0 0-37,0 0-169,0 0-46,0-1-40,0 1-32,2-1-609,6-1-1679,-8 1 2010,0 0 49,0 0 51,0 0 87,-1 0 105,-1 0 318,0 1 33,3-2-4196</inkml:trace>
-  <inkml:trace contextRef="#ctx0" brushRef="#br0" timeOffset="1403.154">1048 421 8704,'0'-2'568,"0"-1"45,0 0 319,1-4 1311,-1 5-1588,0 1-36,1-1-141,0 1-42,-1 0-49,1 1-57,1-1-63,-1 1-72,1-1-78,-1 1-85,1 0 623,-2 0-265,1 2-130,0-1-34,0 2 134,-1-1-108,1 0-89,0 1-45,3 5-49,-2-7-24,-1 1 35,7 9 101,-4 2-38,-4 13 55,0-22-178,0 0 0,0 0 0,0 0 0,0 0-1,1 0 1,-1-1 0,2 3-20,1 3 12,-2-5-15,1 0 0,-1 0 0,0 0 0,-1 0 0,1 0-1,-1 0 1,1 0 0,-1 0 0,0 1 3,0 4 10,0 0 89,0 0 69,0-2 51,0-6-3,2 0-106,-2-1-105,1 0 0,-1 0 1,0 0-1,1 0 0,-1 0 0,1 1 0,-1-1 0,0 0 0,1 0 0,-1 0 0,1 0 1,-1 0-1,1-1 0,-1 1 0,0 0 0,1 0 0,-1 0 0,1 0 0,-1 0 0,0 0-5,2-2 61,0 0 42,2-7-56,18-24 176,-14 21-151,0 0-22,5 0-27,0-2-16,1-4 13,15-8 72,-26 24-82,0 0-1,0 0 0,0 0 1,1 0-1,-1 1 0,0-1 1,1 1-1,2 0-9,-4 0-1,-1 1 0,1 0 0,0 0 0,0 0 0,-1 0 0,1 0 0,0 0 0,0 0 0,-1 0 0,1 1 0,0-1 1,2 2-8,-1-2 4,0 1-1,-1 0 1,1-1 0,-1 1-1,1 0 1,-1 0-1,1 1 1,-1-1-1,0 0 1,1 1 0,-1 0-1,0-1 1,0 1-1,0 0 1,0 0-1,0 0 1,-1 0 0,1 1-1,-1-1 1,1 2 4,18 32-23,-9-14-11,0 0 0,5 16 34,-5-12 44,-6-15-70,-4-10 19,0 1 147,0 0-70,1 0-65,-1-1-60,1 0-56,0 0-52,-1 0-48,1-1-43,0 0-101,0 0-48,0 0-42,1-1-32,0 0-441,5-5-1297,-7 5 1437,-1 0-95,1 1-265,-1 0-670</inkml:trace>
+  <inkml:trace contextRef="#ctx0" brushRef="#br0" timeOffset="901.526">916 445 6784,'0'0'899,"0"0"-330,0 0-130,0 0-42,0 0 26,0 0-72,0 0-64,0 0-52,0 0 517,0 0-343,0 0 302,0 0 425,0-2 10,0-6-68,0 7-466,0 0-265,0 1-78,0 0 60,0-2 268,0-2-12,-2 0-90,0 0-83,-1 1-76,0 1-68,-1 0-63,0 1-53,-1-1-47,-1 2-32,-1-1-44,-3 1-41,-12 1-71,13-1 107,2 0 91,-18 4-82,8 2 66,6-1 15,2 1 53,2 1 62,2 1 73,1-1-138,3-6-130,0 0 0,1 0 1,-1 0-1,0 1 0,1-1 0,-1 0 1,1 1-1,-1-1 0,1 0 0,0 1 1,-1-1-1,1 1 0,0-1 0,0 0 1,0 1-1,0-1 0,0 1 0,1-1 1,-1 0-1,0 1 0,1-1 0,-1 2-34,6 8 144,2 1-55,4 1-31,5 5-27,-15-16-27,-1-1 3,0 0 0,1 1 0,-1-1 0,0 0 0,1 0 0,-1 0 1,1 0-1,0 0 0,-1-1 0,1 1 0,0 0 0,-1-1 0,1 1 0,0-1 1,1 1-8,7 1 26,-5 0-85,-1-1 49,7 3 105,-7-3-81,-1-1-46,1 1-48,-1-1-83,2 1-95,0-1-115,-2 0 139,0 0-37,0 0-169,0 0-46,0-1-40,0 1-32,2-1-609,6-1-1679,-8 1 2010,0 0 49,0 0 51,0 0 87,-1 0 105,-1 0 318,0 1 33,3-2-4196</inkml:trace>
+  <inkml:trace contextRef="#ctx0" brushRef="#br0" timeOffset="1403.153">1048 421 8704,'0'-2'568,"0"-1"45,0 0 319,1-4 1311,-1 5-1588,0 1-36,1-1-141,0 1-42,-1 0-49,1 1-57,1-1-63,-1 1-72,1-1-78,-1 1-85,1 0 623,-2 0-265,1 2-130,0-1-34,0 2 134,-1-1-108,1 0-89,0 1-45,3 5-49,-2-7-24,-1 1 35,7 9 101,-4 2-38,-4 13 55,0-22-178,0 0 0,0 0 0,0 0 0,0 0-1,1 0 1,-1-1 0,2 3-20,1 3 12,-2-5-15,1 0 0,-1 0 0,0 0 0,-1 0 0,1 0-1,-1 0 1,1 0 0,-1 0 0,0 1 3,0 4 10,0 0 89,0 0 69,0-2 51,0-6-3,2 0-106,-2-1-105,1 0 0,-1 0 1,0 0-1,1 0 0,-1 0 0,1 1 0,-1-1 0,0 0 0,1 0 0,-1 0 0,1 0 1,-1 0-1,1-1 0,-1 1 0,0 0 0,1 0 0,-1 0 0,1 0 0,-1 0 0,0 0-5,2-2 61,0 0 42,2-7-56,18-24 176,-14 21-151,0 0-22,5 0-27,0-2-16,1-4 13,15-8 72,-26 24-82,0 0-1,0 0 0,0 0 1,1 0-1,-1 1 0,0-1 1,1 1-1,2 0-9,-4 0-1,-1 1 0,1 0 0,0 0 0,0 0 0,-1 0 0,1 0 0,0 0 0,0 0 0,-1 0 0,1 1 0,0-1 1,2 2-8,-1-2 4,0 1-1,-1 0 1,1-1 0,-1 1-1,1 0 1,-1 0-1,1 1 1,-1-1-1,0 0 1,1 1 0,-1 0-1,0-1 1,0 1-1,0 0 1,0 0-1,0 0 1,-1 0 0,1 1-1,-1-1 1,1 2 4,18 32-23,-9-14-11,0 0 0,5 16 34,-5-12 44,-6-15-70,-4-10 19,0 1 147,0 0-70,1 0-65,-1-1-60,1 0-56,0 0-52,-1 0-48,1-1-43,0 0-101,0 0-48,0 0-42,1-1-32,0 0-441,5-5-1297,-7 5 1437,-1 0-95,1 1-265,-1 0-670</inkml:trace>
   <inkml:trace contextRef="#ctx0" brushRef="#br0" timeOffset="1661.195">1530 0 9856,'0'0'1309,"0"0"-482,0 0-189,0 0-63,0 0 37,0 0-113,0 1-103,0 0-90,0 2 48,-1 3 230,1 6 529,0-7-780,0 0-40,0-1-87,1 1-42,0-1-49,0 0-56,1 1 35,2 10 98,0 13-14,0 12-106,9 20-22,-6-31-6,-1-1-16,-1-4 22,1 0 0,3 6-50,7 8 38,-4-9-62,-6-10-86,1 0-164,-4-11 89,1-1-37,1 0-38,-1 0-41,1-1-43,0 1-45,-4-5 305,1 0-110,7 9-712,-2-2-105,-3-6 453,1 1-42,0-1-48,1 1-53,-1-2 22,0 1-55,1-1-200,3 3-527</inkml:trace>
   <inkml:trace contextRef="#ctx0" brushRef="#br0" timeOffset="1854.321">1698 289 9984,'-21'-4'1309,"9"1"-482,2 1-189,3 1-63,1 0 36,2 0-119,0 1-112,-2 0-108,0 0-104,0 0-98,-7 0-28,8 0-1,-1 0 38,1 0 27,-1 0 46,-1 0 55,-1 0 64,3 0-43,1 1-39,-3 3 103,-3 1-4,0-3-113,8-1-144,1-1 0,-1 0 0,0 1 0,0-1 0,1 1 0,-1 0 0,0 0-1,1-1 1,-1 1 0,1 0 0,-1 0 0,1 0 0,-1 1 0,1-1-31,-2 2 48,0 0-83,1-1-28,1 0-35,-1-1-39,0 1-42,1 0-46,-1-1-49,1 0-52,-1 1-57,0-1-60,0 0-63,0 0-67,0 0-70,0-1-74,0 1-78,-1-1-80,1 0-85,-3 0-720,-2 0-789</inkml:trace>
 </inkml:ink>
@@ -455,9 +455,9 @@
   </inkml:definitions>
   <inkml:trace contextRef="#ctx0" brushRef="#br0">1 13 7296,'2'0'444,"0"-1"42,3 0 1200,-4 0-1009,0 1-312,-1-1-38,0 0-49,1 0-56,-1 0-65,0 0-73,0 0-83,0 0-91,0 1 39,0-2 467,0 2 342,0 0 570,0 0 37,0 0-85,0 0-543,0 0-317,0 0-97,0 0 53,0 0 232,0 0-11,0 6-144,0 2-321,0 12 120,0 0-108,0 47-34,0 4-56,0 1-62,0-1-68,-2-46 49,-2 6 33,-1-1-35,4-6-59,1-20 67,0 0-36,1 0-35,0 0-39,0 0-41,0 1-40,0-1-45,0 0-44,1 0-47,0-1-48,0 1-51,0-1-51,0 0-54,0 0-55,0 0-57,0-1-58,-1-1-22,-1 0-95,1-1-259,-1 0-653</inkml:trace>
   <inkml:trace contextRef="#ctx0" brushRef="#br0" timeOffset="317.789">169 109 11136,'0'-6'1613,"0"3"-84,1 3-814,-1 1-40,0 0-47,0 1-54,0 0-60,0 0-67,-1 0-73,1 1-80,0-1-86,-1 0-92,1 0-99,-1 0-106,-1 3 276,0-1-36,-2 3 70,-7 13 215,9-13-300,-1 0 40,-8 15 68,2-10-64,5-8-103,-4 9 120,0 0 0,0 1 0,0 4-197,-14 25 405,4-15-67,14-24-254,0 1-19,-2 2 25,2-1 58,1 1 82,2-3-67,-1 1 38,-1 1 42,-1 3 35,1-2-63,3-1-2,2 0 43,1 0-77,0-1-35,4 5 52,2-2-100,3-3-71,31 5-36,-13-4-49,-7-1-42,-3-2-61,-13-2-56,-1 0 33,5 1-100,0-1 50,2 1-28,-4-1 15,-3 0 9,-1 0-30,2 0-83,-2 0-16,2 0-80,0 1-87,2-1-100,-2 1-2,2 0-62,-1 0-103,-4-1 352,0 0-40,1 0-376,1 0-90,0-1-278,3 0-713</inkml:trace>
-  <inkml:trace contextRef="#ctx0" brushRef="#br0" timeOffset="893.842">362 253 10624,'0'-5'1711,"1"3"-608,-1 1-239,1 1-74,0 0-344,-1 0-43,1 1-48,0-1-54,0 1-60,-1 0-64,1-1-71,0 1-75,-1 0-52,1-1-33,-1 1-35,1-1-35,0 1 514,-1 0-73,0 0-64,1 0-58,-1 0-24,0 0-58,0 1-34,0-1-28,0 1-14,0-1 17,0 0 26,0 0 45,0-1 22,1 0 45,-1 0 55,1 0 59,3 2 39,0 1-87,-1 2-76,0 1-61,0 5-23,1 8-67,-1-4 16,0-4-29,4 15-5,-2 2-1,0 1-12,-3 9 96,-1-25-51,-1-13-47,0 0-1,-1 0 0,1 1 1,0-1-1,0 0 1,0 0-1,1 1 1,-1-1-1,0 0 0,0 1 1,0-1-1,0 0 1,0 0-1,0 1 1,0-1-1,0 0 0,0 0 1,1 1-1,-1-1 1,0 0-1,0 0 1,0 0-1,1 1 0,-1-1 1,0 0-1,0 0 1,1 0 2,2-3-38,-1-1 45,0-2 31,1-2 38,3-13 32,-1 2-57,-4 15-45,0 0 1,1 0-1,0-1 1,0 2-1,0-1 1,0 0-1,1 0 1,-1 1-1,1-1 1,2-1-7,6-7 34,17-18 13,-12 18-64,-1 8-47,-13 4 66,0 0-1,1 0 1,-1 0 0,0 0 0,0 0 0,0 1 0,0-1 0,-1 1 0,1 0 0,0 0-1,0-1 1,0 1 0,0 0 0,1 2-2,-1-2-7,-1 1 0,1-1 0,-1 1 0,1 0 0,-1 0 0,0 0-1,0 0 1,0 0 0,0 0 0,0 0 0,0 0 0,0 1 7,-1 0-3,1-1 0,0 1 0,1 0 1,-1-1-1,0 1 0,1-1 0,-1 1 0,1-1 0,0 1 3,7 9 5,-1 12-27,-1-12 8,-5-8 13,0 0 0,0 0 0,0 0 0,0 0 1,-1 0-1,1 1 0,-1-1 0,0 1 1,2 6 24,0 0 1,1-1-1,0 1 0,3 4-24,6 7-12,-8-14-143,-1-1-122,-1-2 5,0-1-72,0 1-77,0-1-81,0 0-89,0 0-92,1 0-98,-1-1-105,-3-2 249,1-1 35,-1 0 34,0 1 33,1-1-441,0 0 119,-1 1 110,1-1 102,-1 0 92,1 0 85,0 0 6,0 0 93,-1 1 80,1-2 63,0 1-66,1 0-69,-1 0 170,0 0-35,-1 0-76,1 0-97,-1-1-119,2 1-391,1 0 98,0 0-67,1 0-332</inkml:trace>
+  <inkml:trace contextRef="#ctx0" brushRef="#br0" timeOffset="893.841">362 253 10624,'0'-5'1711,"1"3"-608,-1 1-239,1 1-74,0 0-344,-1 0-43,1 1-48,0-1-54,0 1-60,-1 0-64,1-1-71,0 1-75,-1 0-52,1-1-33,-1 1-35,1-1-35,0 1 514,-1 0-73,0 0-64,1 0-58,-1 0-24,0 0-58,0 1-34,0-1-28,0 1-14,0-1 17,0 0 26,0 0 45,0-1 22,1 0 45,-1 0 55,1 0 59,3 2 39,0 1-87,-1 2-76,0 1-61,0 5-23,1 8-67,-1-4 16,0-4-29,4 15-5,-2 2-1,0 1-12,-3 9 96,-1-25-51,-1-13-47,0 0-1,-1 0 0,1 1 1,0-1-1,0 0 1,0 0-1,1 1 1,-1-1-1,0 0 0,0 1 1,0-1-1,0 0 1,0 0-1,0 1 1,0-1-1,0 0 0,0 0 1,1 1-1,-1-1 1,0 0-1,0 0 1,0 0-1,1 1 0,-1-1 1,0 0-1,0 0 1,1 0 2,2-3-38,-1-1 45,0-2 31,1-2 38,3-13 32,-1 2-57,-4 15-45,0 0 1,1 0-1,0-1 1,0 2-1,0-1 1,0 0-1,1 0 1,-1 1-1,1-1 1,2-1-7,6-7 34,17-18 13,-12 18-64,-1 8-47,-13 4 66,0 0-1,1 0 1,-1 0 0,0 0 0,0 0 0,0 1 0,0-1 0,-1 1 0,1 0 0,0 0-1,0-1 1,0 1 0,0 0 0,1 2-2,-1-2-7,-1 1 0,1-1 0,-1 1 0,1 0 0,-1 0 0,0 0-1,0 0 1,0 0 0,0 0 0,0 0 0,0 0 0,0 1 7,-1 0-3,1-1 0,0 1 0,1 0 1,-1-1-1,0 1 0,1-1 0,-1 1 0,1-1 0,0 1 3,7 9 5,-1 12-27,-1-12 8,-5-8 13,0 0 0,0 0 0,0 0 0,0 0 1,-1 0-1,1 1 0,-1-1 0,0 1 1,2 6 24,0 0 1,1-1-1,0 1 0,3 4-24,6 7-12,-8-14-143,-1-1-122,-1-2 5,0-1-72,0 1-77,0-1-81,0 0-89,0 0-92,1 0-98,-1-1-105,-3-2 249,1-1 35,-1 0 34,0 1 33,1-1-441,0 0 119,-1 1 110,1-1 102,-1 0 92,1 0 85,0 0 6,0 0 93,-1 1 80,1-2 63,0 1-66,1 0-69,-1 0 170,0 0-35,-1 0-76,1 0-97,-1-1-119,2 1-391,1 0 98,0 0-67,1 0-332</inkml:trace>
   <inkml:trace contextRef="#ctx0" brushRef="#br0" timeOffset="1336.494">892 265 10496,'0'0'1400,"0"0"-515,0 0-202,0 0-67,0 0 39,0 0-123,0 0-115,0 0-107,0 0-57,0 0 155,0 0-75,2 0 262,0 1-340,1 0 76,-1 0 133,0 2 286,-1-1-351,1-1-42,-1 0-155,1 0-35,-1 0-62,1-1-33,-1 0-39,2 1-42,5 0 267,-3 1-134,-1 0-39,6 3 65,1-3 1,0-2-57,2 5 113,-7-1-116,1 2-34,4 5-69,-2-1-27,0 1 0,-1 0 0,0 1 39,-5-7-23,0 0 0,-1 0 1,0 0-1,0 1 0,0-1 1,0 1-1,-1 1 23,4 9-60,-5-15 58,0 1 1,1-1-1,-1 0 0,0 0 1,0 1-1,0-1 0,-1 0 0,1 1 1,0-1-1,0 0 0,-1 0 1,1 0-1,-1 1 0,1-1 1,-1 0-1,1 0 0,-1 0 2,-13 19 0,10-14-24,3-5 17,0 0 0,1 0 0,-1 0 0,0 0 0,0 0 0,0 0 0,0 0 0,-1 0 1,1-1-1,0 1 0,0 0 7,-16 3-28,-20-4 52,17-1-3,9 2-17,7-1-2,0 1 1,1-1-1,-1 0 1,0 0 0,1 0-1,-1-1 1,0 1-1,1-1 1,-1 0-1,1 0 1,-2-1-3,1-1 7,1 0 0,0 0 0,0 0 0,1 0 0,-3-3-7,-10-17 109,10 8-41,5 13-49,0 0 1,0 0-1,0 0 0,0 0 0,0 0 1,0 0-1,0 1 0,0-1 1,1 0-1,-1 0 0,1 0 0,0 0 1,0 0-1,-1 1 0,1-1-19,6-8 46,-2 5-57,0-1-40,1 1-48,0 0-55,0 1-63,0-1-72,1 1-79,-1 0-87,-1 1 37,3-2-331,-2 3 189,0 1 25,-1 0-85,-1 0 39,1-1-82,-1 1-94,0 0-104,0-1-116,-2 1 441,0 0-33,0-1-35,0 1-36,0-1-38,0 1-39,3-4-933,2-2-716</inkml:trace>
-  <inkml:trace contextRef="#ctx0" brushRef="#br0" timeOffset="1840.142">1168 362 9216,'0'-3'804,"2"-3"1687,-1 4-1509,-1 1-534,1 1-59,0-1-70,0 1-83,0 0-94,0 1-107,0 0-117,0-1-7,-1 1-34,3 1 505,-1 0 60,0-1-43,0-3-53,1-1-61,-3 3-273,0 1 369,0-1-70,0 1-64,1 0-54,0 1-22,0-1-54,1 0-26,2 2-8,0-1 48,-2 0 48,6 8 6,-5-5-111,0 0 0,0 1 0,0-1 0,-1 1 0,2 3-74,-2-4 26,1 1 1,0-1 0,0 0-1,1 0 1,-1-1 0,1 1-1,0-1 1,4 3-27,2 6 65,-8-4-87,-1-7-49,2-2 39,-3 1 33,1-1 0,-1 0 0,0 0 0,1 0 0,-1 0 0,0 0 0,0 0 0,1 0 0,-1 0 1,0 0-1,1 0 0,-1 0 0,0-1 0,1 1 0,-1 0 0,0 0 0,0 0 0,1 0 0,-1 0 0,0-1 1,1 1-1,-1 0 0,0 0 0,0 0 0,0-1 0,1 1-1,-1-33 405,0 21-190,0-1 98,2 1 140,5-4 104,-2 8-265,0 2-88,1 2-64,2 2-52,0 1-37,-5 1-46,-1 1 0,0-1 0,0 0 0,0 1 0,0 0 0,0-1 1,0 1-1,0 0 0,0 0 0,0 0 0,0 0 0,0 1 0,0-1 0,0 1-5,17 15-22,-15-13 20,0-1-1,0 1 1,0 1-1,0-1 1,-1 1-1,3 3 3,0 0 25,1 0-1,0-1 1,1 0-1,-1 0 1,1-1-1,5 3-24,13 9-14,-4-7 128,-19-11-105,-1 1 1,1-1 0,-1 1 0,1-1-1,-1 0 1,1 0 0,-1 0-1,1-1 1,-1 1 0,0 0-1,3-1-9,-2 0 16,0-1-1,0 1 0,0 0 1,-1-1-1,1 1 1,-1-1-1,1 0 0,-1 0 1,2-1-16,13-17 169,-3 0 1,-7 9-147,1 0-80,0-1-112,-4 6 32,-1 1-39,2-3-129,-2 1-88,1 1-98,-2 0-107,-1 2-94,0 1 50,-1 0 43,1 0 38,-1-1-69,0 1 36,-1-6-1064,1 5 706,0 1 288,0-4-1151,0 0-1036</inkml:trace>
+  <inkml:trace contextRef="#ctx0" brushRef="#br0" timeOffset="1840.141">1168 362 9216,'0'-3'804,"2"-3"1687,-1 4-1509,-1 1-534,1 1-59,0-1-70,0 1-83,0 0-94,0 1-107,0 0-117,0-1-7,-1 1-34,3 1 505,-1 0 60,0-1-43,0-3-53,1-1-61,-3 3-273,0 1 369,0-1-70,0 1-64,1 0-54,0 1-22,0-1-54,1 0-26,2 2-8,0-1 48,-2 0 48,6 8 6,-5-5-111,0 0 0,0 1 0,0-1 0,-1 1 0,2 3-74,-2-4 26,1 1 1,0-1 0,0 0-1,1 0 1,-1-1 0,1 1-1,0-1 1,4 3-27,2 6 65,-8-4-87,-1-7-49,2-2 39,-3 1 33,1-1 0,-1 0 0,0 0 0,1 0 0,-1 0 0,0 0 0,0 0 0,1 0 0,-1 0 1,0 0-1,1 0 0,-1 0 0,0-1 0,1 1 0,-1 0 0,0 0 0,0 0 0,1 0 0,-1 0 0,0-1 1,1 1-1,-1 0 0,0 0 0,0 0 0,0-1 0,1 1-1,-1-33 405,0 21-190,0-1 98,2 1 140,5-4 104,-2 8-265,0 2-88,1 2-64,2 2-52,0 1-37,-5 1-46,-1 1 0,0-1 0,0 0 0,0 1 0,0 0 0,0-1 1,0 1-1,0 0 0,0 0 0,0 0 0,0 0 0,0 1 0,0-1 0,0 1-5,17 15-22,-15-13 20,0-1-1,0 1 1,0 1-1,0-1 1,-1 1-1,3 3 3,0 0 25,1 0-1,0-1 1,1 0-1,-1 0 1,1-1-1,5 3-24,13 9-14,-4-7 128,-19-11-105,-1 1 1,1-1 0,-1 1 0,1-1-1,-1 0 1,1 0 0,-1 0-1,1-1 1,-1 1 0,0 0-1,3-1-9,-2 0 16,0-1-1,0 1 0,0 0 1,-1-1-1,1 1 1,-1-1-1,1 0 0,-1 0 1,2-1-16,13-17 169,-3 0 1,-7 9-147,1 0-80,0-1-112,-4 6 32,-1 1-39,2-3-129,-2 1-88,1 1-98,-2 0-107,-1 2-94,0 1 50,-1 0 43,1 0 38,-1-1-69,0 1 36,-1-6-1064,1 5 706,0 1 288,0-4-1151,0 0-1036</inkml:trace>
 </inkml:ink>
 </file>
 
@@ -571,7 +571,7 @@
   <inkml:trace contextRef="#ctx0" brushRef="#br0" timeOffset="1347.095">575 639 7552,'1'-1'131,"0"0"72,0-1 63,1 1 52,0-1 417,4-1 1175,-4 2-1383,0 0-78,-1 1-229,0 0-44,0 0-48,1 0-55,-2 0 291,0 0-39,0-1-38,1 1-36,-1-1 157,0 0-111,1 0-60,-1-1-98,1 1-69,-1-2 28,1 2 40,-1 0-13,0 1 53,1-3 419,1 1-61,1 0-58,-1 0-54,1 1-49,0 0-46,0 0-43,1 0-38,1 1 79,1-1-73,2 1-24,3 1 21,1-1-9,-5 0-42,-1 0 21,-2-1 71,9-2-133,1 2 50,-6 2-54,-1 0 0,0 0-1,0 1 1,1 0 0,1 1-155,19 7 436,-10-2-214,-4-1-102,-1 0-77,7 5-84,-8-3-72,-1 1 0,5 5 113,-13-11-31,0-1 0,0 1 0,0 0 0,0 1 1,-1-1-1,0 0 0,0 1 0,0-1 0,0 1 0,0 1 31,0 1-38,-1 1 1,1-1 0,-1 0 0,-1 1-1,1 3 38,-7 17-58,5-24 50,1-1 0,-1 1 0,0-1 0,0 1 0,0-1 1,-1 0-1,1 0 0,-1 0 0,0 0 0,0 0 0,0 0 0,0 0 0,0 0 1,0-1-1,-1 1 0,0-1 0,1 0 0,-1 0 0,0 1 8,-3 1-18,0 0-1,1 0 1,-1 0-1,-1-1 1,1 0 0,0 0-1,-1 0 1,0-1-1,-6 1 19,5-1-15,0-1-1,1 0 0,-8-1 16,-27-3 21,23-1-72,0 0 63,9 1 37,0 0 0,0-1 1,1 0-1,-9-5-49,-6-8 59,13 6-70,2 0-40,-1-6-93,3-3-107,4 8-153,3 4-105,3 2-113,5-2-120,-4 4 433,1-1-185,-2 2 33,1-1-34,-1 2-39,0 0-43,1 0-49,0 0-55,1 0-59,2 0-65,-2 1 41,-1-1-51,2-1-214,3-1-571</inkml:trace>
   <inkml:trace contextRef="#ctx0" brushRef="#br0" timeOffset="1679.729">888 759 7040,'0'3'663,"0"-1"-69,0 0-64,0-1-60,0 0-57,0-1-50,0 1-48,0-1-42,0-1 87,0 0-80,0-1-24,1-2 31,-2-2 34,1 2-36,0 0 41,0 1 115,-1 1 35,1 0 120,0 1-248,-1 0 36,1 1 40,0-1 40,-3-1-212,-2 2-62,-13 0 234,13 0-276,0 0 38,-14 0 249,3 0-163,-1 0-53,2 0-46,1 2-40,-3 2 77,-5 0 51,-1-2-60,17-2-268,-1 0 34,-5 0 49,-6 0 144,-12 0 222,18 0-255,-1 0-68,0 0-105,6 0-36,0 0-49,-1 0-55,1 0-58,0 0-67,0 0-71,0 0-77,0 0-83,5 0 210,1 0-39,-1 0-469,-1 0-299,-1 0-717</inkml:trace>
   <inkml:trace contextRef="#ctx0" brushRef="#br0" timeOffset="136495.025">1381 145 6656,'0'0'-75,"0"-1"35,0 0 60,0-1 120,0 1 105,1 0 34,-1 1 56,0-1 48,0 0 42,0 0 492,2-1 1356,-1 2-1631,0 0-64,0 0-79,0-1-115,0 1-242,0 0-39,-1 0-39,1 0-45,1 0 808,-2 0-310,0 0 59,0 0-64,0 0-52,0 0-83,0 0 146,1 1-281,-1-1-36,1 0 112,0 1-150,0-1-47,1-1 17,1 1 4,-2 1-56,-1-1 50,1 1-57,-1 0-1,1 0 1,-1 0 0,0 0-1,1 0 1,-1 0 0,0 0-1,0 0 1,0 0-1,0 0 1,0 0 0,0 0-1,0 0 1,0 0 0,0 0-1,0 0-78,-1 8 529,3-1-71,-1-7-420,-1 0-1,1 0 0,0-1 0,-1 1 1,1-1-1,0 1 0,-1 0 0,1-1 1,0 1-1,0-1 0,-1 1 0,1-1 1,0 0-38,5 4 274,-2 0 55,5 21 422,-7-15-534,1 1-40,-1 0-42,6 21 153,-2 1-102,0 0-94,-1-1-82,1 6-63,-7-23-26,-1-1 0,-3 13 79,3-11-61,0-10 38,1 0 0,-1 0 0,0-1 1,0 1-1,0-1 0,-1 0 0,1 1 0,-3 2 23,-2 1-39,-1 1 1,0-1 0,-7 7 38,11-12-20,-1 0 1,0-1 0,1 1 0,-2-1 0,1 0 0,0-1 0,-1 1 0,-3 1 19,-10 4-45,-12 7 8,26-14 40,1 1-1,-1-1 1,1 0 0,-1 0-1,1-1 1,-1 1 0,0-1-1,-1 0-2,-7 0 16,0-1 0,0-1 0,-11-2-16,4-1 65,0 0 69,1 0 94,8 3-125,-4-3 154,4-2-153,10 6-176,0 0 36,-3-4 48,3 5-38,1-1-35,-1-1-60,0 1-72,1 0-86,-1 0-102,1-1-25,-1 1-89,1 0-99,0-1-107,0 0-116,-1 1-124,1 0 421,0 0-35,0 0-35,0 0-37,0-1-309,0 0-80,0 0-280,0-2-735</inkml:trace>
-  <inkml:trace contextRef="#ctx0" brushRef="#br0" timeOffset="136883.325">1538 1 9856,'1'0'-3,"-1"0"47,1 0 45,0 0 42,0 0 38,-1 0 35,2 0 298,-1 0 91,0 1 77,0-1 5,0 1 1305,0 0-1165,-1-1-329,0 1-35,0 0-44,1-1-53,-1 1-13,0 0-100,0 1-115,0-2-111,0 1-34,0 1 1134,0-2-639,0 0-56,0 0-107,0 1-81,0-1-70,0 1-57,0 0-47,0 0-34,0 3-31,0-2 77,-1-1 91,1-1-10,0 1 50,-1-1 56,1 0 64,-13 0 260,0-1-84,5 1-222,-1 0-32,-9 0 143,0 1-126,-2 1-123,7 0-77,-3 1 23,1-1 0,-1 0 0,-6-1-83,12-1-103,-1 0 53,0 0 46,1 0 38,-12 0 114,-28 0 341,35 0-382,-1 0-56,-3 0-91,10 0-32,0 0-39,-2 0-58,1 0-55,0 0-62,0 0-67,-1 0-72,1 0-77,0 0-83,-1 0-88,8 0 215,-1 0-53,0 0-50,0 0-45,0 0-41,1 1-36,-3 0-779,3 0 220,2 1-50,0 1-307,0 1-854</inkml:trace>
+  <inkml:trace contextRef="#ctx0" brushRef="#br0" timeOffset="136883.324">1538 1 9856,'1'0'-3,"-1"0"47,1 0 45,0 0 42,0 0 38,-1 0 35,2 0 298,-1 0 91,0 1 77,0-1 5,0 1 1305,0 0-1165,-1-1-329,0 1-35,0 0-44,1-1-53,-1 1-13,0 0-100,0 1-115,0-2-111,0 1-34,0 1 1134,0-2-639,0 0-56,0 0-107,0 1-81,0-1-70,0 1-57,0 0-47,0 0-34,0 3-31,0-2 77,-1-1 91,1-1-10,0 1 50,-1-1 56,1 0 64,-13 0 260,0-1-84,5 1-222,-1 0-32,-9 0 143,0 1-126,-2 1-123,7 0-77,-3 1 23,1-1 0,-1 0 0,-6-1-83,12-1-103,-1 0 53,0 0 46,1 0 38,-12 0 114,-28 0 341,35 0-382,-1 0-56,-3 0-91,10 0-32,0 0-39,-2 0-58,1 0-55,0 0-62,0 0-67,-1 0-72,1 0-77,0 0-83,-1 0-88,8 0 215,-1 0-53,0 0-50,0 0-45,0 0-41,1 1-36,-3 0-779,3 0 220,2 1-50,0 1-307,0 1-854</inkml:trace>
 </inkml:ink>
 </file>
 
@@ -616,11 +616,11 @@
   <inkml:trace contextRef="#ctx0" brushRef="#br0" timeOffset="18871.798">5477 445 7680,'0'0'1025,"0"0"-378,0 0-146,0 0-50,0 0 31,0-1-85,-1 1-73,0-1-61,0 0-176,-1-1 107,0 1 92,1 0 77,-2-1 53,1 1 46,-10-6 1888,8 5-1713,0 0-109,2 1-314,0 1-45,0-1-50,0 1-55,0-1-62,0 1-66,0 0-72,1 0-78,-13-3 539,-4-7 25,5 2-59,3 5-28,1 2 27,-2 3 85,6 0-224,-5 1 31,2-1-28,2 1 19,1 2 57,-9 13 160,9-13-315,3-4-49,1 1 0,-1-1 0,1 1 0,-1 0 0,1 0 0,-1-1 0,1 1-1,0 0 1,0 0 0,0 0 0,0 1 0,0-1 0,1 0 0,-1 0 0,0 3-26,-3 7 128,-2 0 37,4-8-83,0 1 1,0-1 0,0 0 0,1 1 0,0 0-83,0-3 26,1 1-1,0-1 1,0 0 0,0 0 0,0 0-1,0 0 1,0 0 0,1 0-1,-1 0-25,2 4 6,-1 1 60,9 19 331,-5-14-261,-1-5-97,0-1-44,0-1-58,1 0-66,1-1-79,0 0-89,0-3-101,1 0-111,-6-1 541,1 0-37,-1 0-35,0 0-34,2 0-169,0 1-115,0-1-145,1 0-104,-1 0-87,1 0-71,1 0-313,9-1-2119,-8 0 1895,-2 0 249,-2 0 580,0 0 44,3-2-485,0 0 35,10-11-1637</inkml:trace>
   <inkml:trace contextRef="#ctx0" brushRef="#br0" timeOffset="40702">5923 1745 12288,'0'3'737,"0"0"-49,0 0-46,0-1-46,0 1-44,0-1-42,0 0-41,0 1-40,0-1-37,0 0-37,0 0-34,0-1-34,0 3 194,0-1-114,0 0-107,0-1-87,0 1-75,0-1-63,0 0-58,0 1-50,0 6-309,0-4 250,0-2 90,0 0 39,0 3 95,0-3 7,0 0 40,0 1 45,0-1 50,0 2 53,0-1 58,0 6-195,0 1 49,0 23 599,0-19-482,0-5-161,0-1-36,0 0-42,0 1-62,0 0-74,0 0-84,0 1-128,0-6 87,0 1-35,0-1-37,0 0-39,0 1-41,0-1-42,0 0-44,0 1-47,0-1-48,0 0-50,0 0-52,0 0-54,0 1-55,0-1-58,0-2-74,0 0-65,0 0-247,0 2-655</inkml:trace>
   <inkml:trace contextRef="#ctx0" brushRef="#br0" timeOffset="20956">4803 1263 6912,'0'0'933,"0"0"-343,0 0-134,0 0-46,0 0 28,0-1-79,0-1-69,0-3-60,0 3 66,0 1-85,0-1-74,0 1-66,0 0-55,0 0-34,0-1-100,0-5-534,0 5 559,0 1 51,0-1 65,0 0 85,0 0 99,0 0 115,0-1 76,0 1 117,0 1-211,0 0 34,0-1 34,0 1 36,0-1 38,0 1 39,0-1 41,0 0 41,0 1 43,0-1 45,0 0 46,0 0 47,0 1-347,0 0-85,1 0-75,0 0-63,0 0-39,0 0-49,3-2 54,-3 2-53,0 1-3,-1 0 38,2-2 898,0 2-476,0 0-108,-1 0-94,1 1-80,-1-1-78,0 1-47,0 0 21,1 3 126,-2-3-147,0 1 59,0-1 37,0-1-42,0 1-38,1-1-33,-1 0-14,1 0-34,0 0-20,1 0-16,1 0 22,-1 0 70,0 1 92,-1-1-61,0 1 42,7 6 98,-3-3-145,1-1-39,10 8 124,-3 0-10,3 5-21,0 2-44,0 0-41,0 1-39,-1 2-35,-1 0-34,9 23-68,-7 0 7,2-4-27,-12 6-33,-4-31 83,-1-1 1,0 1-1,-1-1 0,-1 1 1,-1 5 18,-4 11-96,-5 2-93,1-6-7,-2 0-45,-12 23-341,3-17 18,9-19 316,-1-1 33,-5 1-7,0-2 90,-7-1-7,2-9 81,3-6 74,2-6 67,3-6 63,3-3 57,5-2 49,5-2 45,2 15-85,2 2-55,2 1-27,2-2-10,4-5 34,-10 11-144,1 0 0,-1 0 1,1 1-1,-1-1 0,1 0 1,0 0-1,-1 1 0,1-1 1,0 0-1,0 1 0,-1-1 1,1 1-1,0-1 0,0 1 0,0 0 1,0-1-1,0 1-10,1-1 10,0 1 0,0-1 0,1 1 0,-1 0-1,0 0 1,0 0 0,0 0 0,1 0-10,8 2-6,-1 1-37,0 0-40,-2 2-44,-5-3-127,1 0 38,7 2-380,-6-3 318,-1 0-74,1 1-102,-3-2 177,0 1-39,0 0-44,0 1-48,1 0-220,-1 0-104,1 1-116,-2-2 377,0 1-33,1 2-427,1 0-36,-1 1-230,1 2-646,-1 7-3378</inkml:trace>
-  <inkml:trace contextRef="#ctx0" brushRef="#br0" timeOffset="40486.749">5200 1528 4480,'0'0'1021,"0"0"-442,0 0-288,0 0-49,0 0 131,0 0 52,0 0-210,0 0 151,0 2 298,0 6 557,0-6 96,0-2-5,0 0-563,0 0-324,0 0-92,0 2 96,0 2-116,1-1 34,0-3-295,-1 0 0,0 0 1,1 1-1,-1-1 0,0 0 0,0 1 0,1-1 1,-1 0-1,1 0 0,-1 0 0,0 0 0,1 1 1,-1-1-1,0 0 0,1 0 0,-1 0 0,1 0 0,-1 0 1,0 0-1,1 0 0,-1 0 0,1 0-52,1 0 976,-2 0 11,0 1-634,1 0-64,-1 0-57,0-1-50,0 1-45,0 0-36,0 0 15,0 2 23,0-3-61,1 1 44,4 3 347,-1-2-47,-3 6-60,1 2-6,2-2-103,-3-7-226,0 1-1,-1-1 1,1 0 0,-1 0-1,1 0 1,-1 1-1,1-1 1,-1 0 0,0 1-1,1-1 1,-1 0-1,0 1 1,0-1-27,0 7 94,1 0-36,-1-4-44,1 0 0,-1 1 0,0-1 0,0 0 0,0 0 0,-1 0-1,1 1 1,-1-1 0,-1 2-14,-2 1-1,4-6-1,-1 0 0,0 0-1,0 0 1,1 0 0,-1 0 0,1 0 0,-1 1 0,1-1-1,0 0 1,-1 0 0,1 1 0,0-1 0,0 0-1,0 1 3,-2 7 48,-2-7 4,-4-1 51,-1-4-68,9 3-35,0 0 1,0-1-1,-1 1 0,1 0 1,0 0-1,0-1 0,0 1 1,0 0-1,-1-1 0,1 1 1,0-1-1,0 1 0,0 0 1,0-1-1,0 1 0,0 0 1,0-1-1,0 1 0,0 0 1,0-1-1,0 1 0,0-1 1,0 1-1,0 0 0,1-1 1,-1 1-1,0 0 4,0-1-1,0-15 53,0 10-44,0 0 0,1 0 0,0 0 0,0 0 0,1-3-12,5-8 62,-1 6-16,13-27 138,3 1 70,-5 13-24,3 2 64,-18 20-298,0 1-1,0-1 0,0 1 1,1 0-1,-1 0 1,0 0-1,1 0 0,-1 0 1,0 0-1,1 1 1,-1-1-1,1 1 0,-1 0 1,1 0-1,-1-1 1,1 2-1,-1-1 0,1 0 1,-1 0-1,2 1 5,-2 0-7,0-1-1,0 1 1,0-1 0,0 1 0,-1 0-1,1 0 1,0 0 0,0 0-1,-1 0 1,1 0 0,0 1-1,0-1 8,-1 1-8,0-1 1,0 0-1,-1 0 0,1 1 0,0-1 0,0 0 0,-1 1 0,1-1 0,0 0 0,-1 1 0,0-1 0,1 1 0,-1-1 0,0 1 0,0 0 1,0-1-1,0 1 8,1 2-20,-1 0 1,1 0 0,0 1 0,0-1-1,1 2 20,0-2-17,-1 1 0,0-1 0,0 1 0,0-1 0,-1 3 17,1 1-32,-1-7 29,0 1 0,0-1 1,0 1-1,0 0 0,0-1 0,0 1 0,-1-1 0,1 1 0,0-1 0,-1 1 0,0-1 3,1 0 1,0-1 0,0 1-1,-1 0 1,1-1 0,-1 1-1,1-1 1,0 1 0,-1-1-1,1 1 1,-1-1 0,1 0-1,-1 1 1,1-1 0,-1 1-1,0-1 1,0 0-1,1 0 2,0 0 0,0 0 0,0 0 0,-1 0 0,1-1 0,0 1 0,0 0 0,-1 0 0,1 0 0,0 0 0,0-1 0,0 1 0,0 0 0,-1 0 0,1-1 0,0 1 0,0 0 0,0 0 0,0-1 0,0 1 0,0 0 0,0 0 0,0-1 0,0 1 0,0 0 0,0 0 0,0-1 0,0 1 0,0 0 0,0 0 0,0-1 0,0 1 0,0 0 0,0 0 0,0-1 0,0 1 0,0 0 0,0 0 0,1-1 0,-1 1 0,0 0 0,0 0 0,0-1-2,8-16 95,-6 10-73,1-2-20,4-10 67,-6 15-46,1 0 1,0 1-1,0-1 1,0 0-1,0 1 0,1-1 1,0 1-1,-1 0 0,1 0 1,0 0-1,0 0 1,2 0-24,3-4 16,30-19 33,-34 24-48,0 0 0,0 0 0,0 1 0,0-1 0,0 1 0,1 0-1,-1 0 1,0 1 0,1-1 0,1 1-1,18-4 0,-20 3 0,-1 1 0,1-1 0,-1 1 0,1-1 0,-1 1 0,1 0 0,1 1 0,-3-1 0,0 0 0,0 1 0,-1 0 0,1-1 0,0 1 0,-1 0 0,1 0 0,-1 0 0,1 0 0,-1 0 0,1 0 0,-1 0 0,0 1 0,0-1 0,1 0 0,-1 1 0,0-1 0,0 2 0,4 4-6,-1 0 0,-1 0 0,1 1 0,0 2 5,0 1-36,-1 1 0,0 0-1,-1 0 1,1 5 37,-1 9-134,-1 17 134,-2 2 2,1-23 46,-1 0 40,1-22-82,0 1 0,0-1 0,0 1-1,0 0 1,0-1 0,0 1 0,0-1 0,0 1 0,0 0 0,1-1 0,-1 1 0,0-1 0,0 1 0,0-1 0,1 1 0,-1-1 0,0 1 0,1-1 0,-1 1 0,0-1 0,1 1 0,-1-1 0,1 1 0,-1-1 0,1 0 0,-1 1 0,1-1-6,-1 0 3,1 1 1,-1-1-1,0 0 1,1 1-1,-1-1 1,0 0-1,1 1 1,-1-1-1,0 0 1,1 1-1,-1-1 1,0 1-1,0-1 1,1 0-1,-1 1 1,0-1-1,0 1 1,0-1-1,0 1 1,0-1-1,0 1 1,0-1 0,0 1-1,0-1 1,0 1-1,0-1 1,0 1-4,1 4-21,0-1-39,1 0-43,0 0-46,1 0-48,0-1-50,0 0-55,0 0-56,-1-1 34,0 0-38,-1-2-237,0 1 52,-1-1 51,1 1 48,-1-1 44,1 0 43,-1 1 38,1-1 37,-1 0-14,1 0 44,-1 0 39,1 0 33,0 0 2,-1 0 33,2 0-182,0 0 14,-1 0 5,0 1-61,-1-1 137,0 0-40,3 1-651,-1 1-49,1 1-241,1 1-660</inkml:trace>
+  <inkml:trace contextRef="#ctx0" brushRef="#br0" timeOffset="40486.748">5200 1528 4480,'0'0'1021,"0"0"-442,0 0-288,0 0-49,0 0 131,0 0 52,0 0-210,0 0 151,0 2 298,0 6 557,0-6 96,0-2-5,0 0-563,0 0-324,0 0-92,0 2 96,0 2-116,1-1 34,0-3-295,-1 0 0,0 0 1,1 1-1,-1-1 0,0 0 0,0 1 0,1-1 1,-1 0-1,1 0 0,-1 0 0,0 0 0,1 1 1,-1-1-1,0 0 0,1 0 0,-1 0 0,1 0 0,-1 0 1,0 0-1,1 0 0,-1 0 0,1 0-52,1 0 976,-2 0 11,0 1-634,1 0-64,-1 0-57,0-1-50,0 1-45,0 0-36,0 0 15,0 2 23,0-3-61,1 1 44,4 3 347,-1-2-47,-3 6-60,1 2-6,2-2-103,-3-7-226,0 1-1,-1-1 1,1 0 0,-1 0-1,1 0 1,-1 1-1,1-1 1,-1 0 0,0 1-1,1-1 1,-1 0-1,0 1 1,0-1-27,0 7 94,1 0-36,-1-4-44,1 0 0,-1 1 0,0-1 0,0 0 0,0 0 0,-1 0-1,1 1 1,-1-1 0,-1 2-14,-2 1-1,4-6-1,-1 0 0,0 0-1,0 0 1,1 0 0,-1 0 0,1 0 0,-1 1 0,1-1-1,0 0 1,-1 0 0,1 1 0,0-1 0,0 0-1,0 1 3,-2 7 48,-2-7 4,-4-1 51,-1-4-68,9 3-35,0 0 1,0-1-1,-1 1 0,1 0 1,0 0-1,0-1 0,0 1 1,0 0-1,-1-1 0,1 1 1,0-1-1,0 1 0,0 0 1,0-1-1,0 1 0,0 0 1,0-1-1,0 1 0,0 0 1,0-1-1,0 1 0,0-1 1,0 1-1,0 0 0,1-1 1,-1 1-1,0 0 4,0-1-1,0-15 53,0 10-44,0 0 0,1 0 0,0 0 0,0 0 0,1-3-12,5-8 62,-1 6-16,13-27 138,3 1 70,-5 13-24,3 2 64,-18 20-298,0 1-1,0-1 0,0 1 1,1 0-1,-1 0 1,0 0-1,1 0 0,-1 0 1,0 0-1,1 1 1,-1-1-1,1 1 0,-1 0 1,1 0-1,-1-1 1,1 2-1,-1-1 0,1 0 1,-1 0-1,2 1 5,-2 0-7,0-1-1,0 1 1,0-1 0,0 1 0,-1 0-1,1 0 1,0 0 0,0 0-1,-1 0 1,1 0 0,0 1-1,0-1 8,-1 1-8,0-1 1,0 0-1,-1 0 0,1 1 0,0-1 0,0 0 0,-1 1 0,1-1 0,0 0 0,-1 1 0,0-1 0,1 1 0,-1-1 0,0 1 0,0 0 1,0-1-1,0 1 8,1 2-20,-1 0 1,1 0 0,0 1 0,0-1-1,1 2 20,0-2-17,-1 1 0,0-1 0,0 1 0,0-1 0,-1 3 17,1 1-32,-1-7 29,0 1 0,0-1 1,0 1-1,0 0 0,0-1 0,0 1 0,-1-1 0,1 1 0,0-1 0,-1 1 0,0-1 3,1 0 1,0-1 0,0 1-1,-1 0 1,1-1 0,-1 1-1,1-1 1,0 1 0,-1-1-1,1 1 1,-1-1 0,1 0-1,-1 1 1,1-1 0,-1 1-1,0-1 1,0 0-1,1 0 2,0 0 0,0 0 0,0 0 0,-1 0 0,1-1 0,0 1 0,0 0 0,-1 0 0,1 0 0,0 0 0,0-1 0,0 1 0,0 0 0,-1 0 0,1-1 0,0 1 0,0 0 0,0 0 0,0-1 0,0 1 0,0 0 0,0 0 0,0-1 0,0 1 0,0 0 0,0 0 0,0-1 0,0 1 0,0 0 0,0 0 0,0-1 0,0 1 0,0 0 0,0 0 0,0-1 0,0 1 0,0 0 0,0 0 0,1-1 0,-1 1 0,0 0 0,0 0 0,0-1-2,8-16 95,-6 10-73,1-2-20,4-10 67,-6 15-46,1 0 1,0 1-1,0-1 1,0 0-1,0 1 0,1-1 1,0 1-1,-1 0 0,1 0 1,0 0-1,0 0 1,2 0-24,3-4 16,30-19 33,-34 24-48,0 0 0,0 0 0,0 1 0,0-1 0,0 1 0,1 0-1,-1 0 1,0 1 0,1-1 0,1 1-1,18-4 0,-20 3 0,-1 1 0,1-1 0,-1 1 0,1-1 0,-1 1 0,1 0 0,1 1 0,-3-1 0,0 0 0,0 1 0,-1 0 0,1-1 0,0 1 0,-1 0 0,1 0 0,-1 0 0,1 0 0,-1 0 0,1 0 0,-1 0 0,0 1 0,0-1 0,1 0 0,-1 1 0,0-1 0,0 2 0,4 4-6,-1 0 0,-1 0 0,1 1 0,0 2 5,0 1-36,-1 1 0,0 0-1,-1 0 1,1 5 37,-1 9-134,-1 17 134,-2 2 2,1-23 46,-1 0 40,1-22-82,0 1 0,0-1 0,0 1-1,0 0 1,0-1 0,0 1 0,0-1 0,0 1 0,0 0 0,1-1 0,-1 1 0,0-1 0,0 1 0,0-1 0,1 1 0,-1-1 0,0 1 0,1-1 0,-1 1 0,0-1 0,1 1 0,-1-1 0,1 1 0,-1-1 0,1 0 0,-1 1 0,1-1-6,-1 0 3,1 1 1,-1-1-1,0 0 1,1 1-1,-1-1 1,0 0-1,1 1 1,-1-1-1,0 0 1,1 1-1,-1-1 1,0 1-1,0-1 1,1 0-1,-1 1 1,0-1-1,0 1 1,0-1-1,0 1 1,0-1-1,0 1 1,0-1 0,0 1-1,0-1 1,0 1-1,0-1 1,0 1-4,1 4-21,0-1-39,1 0-43,0 0-46,1 0-48,0-1-50,0 0-55,0 0-56,-1-1 34,0 0-38,-1-2-237,0 1 52,-1-1 51,1 1 48,-1-1 44,1 0 43,-1 1 38,1-1 37,-1 0-14,1 0 44,-1 0 39,1 0 33,0 0 2,-1 0 33,2 0-182,0 0 14,-1 0 5,0 1-61,-1-1 137,0 0-40,3 1-651,-1 1-49,1 1-241,1 1-660</inkml:trace>
   <inkml:trace contextRef="#ctx0" brushRef="#br0" timeOffset="41601">6428 891 9728,'0'0'1309,"0"0"-482,0 0-189,0 0-63,0 0 38,0 0-103,-1 0-85,0 0-64,0 0-369,0 0 46,1 0 45,-1 0 40,1 0 37,-1 0 36,0 0 287,0 1 181,0-1 95,0 0 47,0 2 1132,1-2-1374,0 0-35,-1 1 40,1 0-83,0-1-183,0 1-70,0 0-77,0-1-88,0 1-94,0 0-104,0-1-113,0 1-121,0 1 808,0-2-83,-2 1-136,1-1-54,0 0-51,0-1-47,-1 0-46,0 1-70,0 1-63,-1 1-57,0 0-40,2 0-19,0-1 25,-1 0-58,1 0-69,1 0-80,-1 0 17,1-1-52,-1 0-46,1 1-42,0-1-150,0 0-40,0 0-183,0 0-494</inkml:trace>
   <inkml:trace contextRef="#ctx0" brushRef="#br0" timeOffset="42853">6885 216 6656,'0'0'876,"0"0"-322,0 0-128,0 0-42,0 0 24,0 0-72,0 0-58,0 0-47,0 0 303,0 0-279,0 0 174,0 0 326,0 0 531,0 0-28,0 0-84,0 0-506,0 2-291,0-1-399,0 1 73,0-1 63,1 0 51,-1 1 270,4 1 749,-1-3-890,-1 0-83,0 0 685,-2 0-59,1 0-572,-1 1-42,1-1-40,-1 0-34,1 0-11,0 0-38,-1 0-5,1-1-46,2 0 34,-2 1-17,0 0 46,0 0 26,0 1 53,0 0 59,0 0 71,2 2-10,-1-1-37,3 3 176,0 1-115,0 0-93,-1-1-87,1 0-43,7 12 135,-7-10-101,6 7-39,0-3-59,1 1-48,-10-10-5,-1 0 0,1 1 1,-1-1-1,0 0 0,0 0 0,0 1 0,0-1 0,0 1 0,0-1 0,0 2 5,2 18-43,-1-9 1,1-1-1,3 12 43,-4-18-13,0 0 1,-1 0-1,1 0 0,-1 0 0,0 1 0,-1-1 1,1 1-1,-1-1 0,-1 0 0,1 1 0,-1-1 1,0 0-1,-1 1 0,1-1 0,-3 6 13,-10 30-82,4-11 32,-5-4-20,10-16 32,3-7 28,0 1 0,0-1 0,-1 0-1,1 0 1,-1-1 0,0 1 0,0 0 0,0-1 0,0 0-1,-1 0 1,-1 1 10,-13 5-14,6-5-17,-1 0 0,0-1 0,1-1 0,-5 1 31,-10-2-27,-25-1-55,32 0 73,8 0 40,-6-5 99,17 5-121,0 0 0,0-1 1,0 1-1,1 0 0,-1-1 0,0 1 1,0-1-1,0 1 0,1-1 0,-1 0 1,0 1-1,1-1 0,-1 0 0,0 1 1,1-1-1,-1 0 0,1 0 1,-1 1-1,1-1 0,-1 0 0,1 0 1,0 0-1,-1 0 0,1 0 0,0 0 1,0 0-1,0 0-9,0-1 17,1 0 0,0 0 0,-1 0 0,1 0 0,0 0 0,0 1 0,1-1 0,-1 0 0,0 0 1,2-1-18,28-7 113,-6 6-114,-20 4-195,0 1 69,0-1 57,0 0 50,1 1 43,-1 0 39,14 3 240,-11-2-203,1 1-75,-2-1-110,-3-1 1,-1 0-34,1 1-36,-1-1-40,1 0-43,-1 1-47,2 0-208,0 0-112,0 0-121,-3-1 315,0 0-34,1 0-35,-1 0-37,0 0-37,0 0-39,1 0-39,-1 0-42,0 0-42,0 0-44,1 1-263,4 6-3170,-5-3 2220,-2 2-843</inkml:trace>
-  <inkml:trace contextRef="#ctx0" brushRef="#br0" timeOffset="44984.127">7234 517 7296,'0'0'1002,"0"0"-370,0 0-145,0 0-48,0 0 27,0 0-84,0 0-70,0 0-59,1 0 297,0 0-289,1 0-156,-1 0 103,0 0 89,1 1 73,-1-1 49,0 0 42,3 2 1168,-3-1-960,1 0-61,-2-1-346,1 1-33,0-1-37,-1 1-46,1-1-52,-1 1-57,1-1-62,-1 1-69,1-1-73,-1 1-79,2 1 731,-1-2-218,0 1-55,0-1-49,0 1-41,1 1 19,2 5 11,-4-6-13,0-1-113,3 4 211,-1 0-35,1 1 26,-1 1-46,2 11 227,-2-3-281,2-5-76,-3-7-50,0 0-1,0 0 1,0 0-1,-1 0 1,1 0-1,-1 0 0,1 0 1,-1 0-1,0 0 1,1 1-1,-1-1 1,-1 0-2,-4 37-72,3-30 71,0 0 0,1 1 0,-1 5 1,3-13 5,-1-1 1,0 1-1,0-1 1,0 1-1,-1-1 0,1 1 1,0-1-1,-1 1 1,1-1-1,-1 1 0,1-1-5,-7 7 132,6-7-120,-1 4 90,2-7-32,0-5 14,0-10-53,1-22 23,1 14 15,1 9 8,1 1 36,2 0 47,2 1 56,3-1 18,-1 0-39,1-2-2,6-8 43,-16 23-219,0 0-1,0 1 1,1-1-1,-1 1 1,1-1-1,-1 1 1,1-1-1,-1 1 1,1 0-17,13-5 56,4-1-47,-16 5-27,14-7-36,-17 9 52,0 0 0,1 0 0,-1 0-1,1 0 1,-1-1 0,1 1-1,-1 0 1,1 0 0,-1 0-1,1 0 1,-1 0 0,0 0 0,1 0-1,-1 0 1,1 0 0,-1 1-1,1-1 1,-1 0 0,1 0-1,-1 0 1,1 0 0,-1 1 0,0-1-1,1 0 1,-1 0 0,0 1-1,1-1 1,-1 0 0,0 1-1,1-1 1,-1 0 0,0 1 0,1-1-1,-1 1 3,14 35-128,-6-11 100,-3 24-65,-5-1 32,-1-25 87,1-16 45,0-9-52,0 0 0,1-1 0,-1 1 0,0 0 1,1-1-1,0 1 0,-1 0 0,1-1-19,16-25 98,-2 5-8,-12 17-50,1-1-1,0 1 0,0 0 0,0 1 0,1-1 1,0 1-1,0 0 0,0 0 0,0 0 0,1 1 1,5-3-40,7-2 67,1 3-32,14 2-19,-31 3-14,1 0 1,0 1 0,0 0 0,0-1-1,-1 1 1,1 0 0,0 0 0,3 1-3,-4 0 0,-1-1 0,1 1 1,0 0-1,0 0 1,-1 0-1,1 0 1,-1 1-1,1-1 0,-1 0 1,1 1-1,0 0 0,20 18 2,-19-18-10,0 0 0,0 1 0,0-1 0,0 1 0,-1-1 0,1 1 0,-1 0 0,0 0 0,0 0 0,0 0 1,0 1-1,0-1 0,-1 0 0,0 1 0,0-1 0,0 1 0,1 2 8,10 52-112,-8-34 111,-5 10 49,0-7-15,0-19-27,1 9 18,3-6 58,1-5-15,-4-5-55,1 0 0,0 0 0,-1 0 0,1 0 0,0 0 0,-1 1 0,0-1 0,1 0 0,-1 0 0,0 0 0,1 1 0,-1-1 0,0 0 0,0 1-12,0 1-32,2 4 22,0-3-67,-1-1-67,1-1-105,-1 0 54,0-1-47,1 0-51,-1 1-57,1-1-62,-1 0-66,0 1-72,1-1-76,0 1-225,0 0-123,-1-1 438,0 0-34,0 0-35,0 0-36,0 0-18,0 0-42,2 2-416,-1-1-53,1 1-9</inkml:trace>
-  <inkml:trace contextRef="#ctx0" brushRef="#br0" timeOffset="45247.279">8029 842 11136,'0'-1'234,"-1"0"0,1-1-1,-1 1 1,1 0 0,-1 0 0,1 0 0,-1 0 0,1 0 0,-1 0 0,0 0 0,0 0 0,1 1 0,-1-1 0,0 0 0,0 0 0,0 0-234,0 3 904,1 1-36,0 2-50,0 1-63,0-1-267,0 0-41,0 0-47,0 0-50,0 0-55,0 0-60,-1 0-63,0-1-69,-6 23 1,5-14-114,2-6-37,-1 0-41,1 0-49,0 0-58,0-3-260,-1 0 36,0 2-334,0-1 143,-3 4-745,2-5 668,1 0-90,0 0-70,0-1-70,1 0-250,0 1-659</inkml:trace>
+  <inkml:trace contextRef="#ctx0" brushRef="#br0" timeOffset="44984.126">7234 517 7296,'0'0'1002,"0"0"-370,0 0-145,0 0-48,0 0 27,0 0-84,0 0-70,0 0-59,1 0 297,0 0-289,1 0-156,-1 0 103,0 0 89,1 1 73,-1-1 49,0 0 42,3 2 1168,-3-1-960,1 0-61,-2-1-346,1 1-33,0-1-37,-1 1-46,1-1-52,-1 1-57,1-1-62,-1 1-69,1-1-73,-1 1-79,2 1 731,-1-2-218,0 1-55,0-1-49,0 1-41,1 1 19,2 5 11,-4-6-13,0-1-113,3 4 211,-1 0-35,1 1 26,-1 1-46,2 11 227,-2-3-281,2-5-76,-3-7-50,0 0-1,0 0 1,0 0-1,-1 0 1,1 0-1,-1 0 0,1 0 1,-1 0-1,0 0 1,1 1-1,-1-1 1,-1 0-2,-4 37-72,3-30 71,0 0 0,1 1 0,-1 5 1,3-13 5,-1-1 1,0 1-1,0-1 1,0 1-1,-1-1 0,1 1 1,0-1-1,-1 1 1,1-1-1,-1 1 0,1-1-5,-7 7 132,6-7-120,-1 4 90,2-7-32,0-5 14,0-10-53,1-22 23,1 14 15,1 9 8,1 1 36,2 0 47,2 1 56,3-1 18,-1 0-39,1-2-2,6-8 43,-16 23-219,0 0-1,0 1 1,1-1-1,-1 1 1,1-1-1,-1 1 1,1-1-1,-1 1 1,1 0-17,13-5 56,4-1-47,-16 5-27,14-7-36,-17 9 52,0 0 0,1 0 0,-1 0-1,1 0 1,-1-1 0,1 1-1,-1 0 1,1 0 0,-1 0-1,1 0 1,-1 0 0,0 0 0,1 0-1,-1 0 1,1 0 0,-1 1-1,1-1 1,-1 0 0,1 0-1,-1 0 1,1 0 0,-1 1 0,0-1-1,1 0 1,-1 0 0,0 1-1,1-1 1,-1 0 0,0 1-1,1-1 1,-1 0 0,0 1 0,1-1-1,-1 1 3,14 35-128,-6-11 100,-3 24-65,-5-1 32,-1-25 87,1-16 45,0-9-52,0 0 0,1-1 0,-1 1 0,0 0 1,1-1-1,0 1 0,-1 0 0,1-1-19,16-25 98,-2 5-8,-12 17-50,1-1-1,0 1 0,0 0 0,0 1 0,1-1 1,0 1-1,0 0 0,0 0 0,0 0 0,1 1 1,5-3-40,7-2 67,1 3-32,14 2-19,-31 3-14,1 0 1,0 1 0,0 0 0,0-1-1,-1 1 1,1 0 0,0 0 0,3 1-3,-4 0 0,-1-1 0,1 1 1,0 0-1,0 0 1,-1 0-1,1 0 1,-1 1-1,1-1 0,-1 0 1,1 1-1,0 0 0,20 18 2,-19-18-10,0 0 0,0 1 0,0-1 0,0 1 0,-1-1 0,1 1 0,-1 0 0,0 0 0,0 0 0,0 0 1,0 1-1,0-1 0,-1 0 0,0 1 0,0-1 0,0 1 0,1 2 8,10 52-112,-8-34 111,-5 10 49,0-7-15,0-19-27,1 9 18,3-6 58,1-5-15,-4-5-55,1 0 0,0 0 0,-1 0 0,1 0 0,0 0 0,-1 1 0,0-1 0,1 0 0,-1 0 0,0 0 0,1 1 0,-1-1 0,0 0 0,0 1-12,0 1-32,2 4 22,0-3-67,-1-1-67,1-1-105,-1 0 54,0-1-47,1 0-51,-1 1-57,1-1-62,-1 0-66,0 1-72,1-1-76,0 1-225,0 0-123,-1-1 438,0 0-34,0 0-35,0 0-36,0 0-18,0 0-42,2 2-416,-1-1-53,1 1-9</inkml:trace>
+  <inkml:trace contextRef="#ctx0" brushRef="#br0" timeOffset="45247.278">8029 842 11136,'0'-1'234,"-1"0"0,1-1-1,-1 1 1,1 0 0,-1 0 0,1 0 0,-1 0 0,1 0 0,-1 0 0,0 0 0,0 0 0,1 1 0,-1-1 0,0 0 0,0 0 0,0 0-234,0 3 904,1 1-36,0 2-50,0 1-63,0-1-267,0 0-41,0 0-47,0 0-50,0 0-55,0 0-60,-1 0-63,0-1-69,-6 23 1,5-14-114,2-6-37,-1 0-41,1 0-49,0 0-58,0-3-260,-1 0 36,0 2-334,0-1 143,-3 4-745,2-5 668,1 0-90,0 0-70,0-1-70,1 0-250,0 1-659</inkml:trace>
   <inkml:trace contextRef="#ctx0" brushRef="#br0" timeOffset="45937.35">8366 1155 7296,'0'0'968,"0"0"-357,0 0-140,0 0-47,0 0 28,0 0-81,1-1-70,0 0-59,-1 0-403,1 1 56,-1-1 53,1 1 48,-1-1 45,1 1 40,0-1 38,-1 1 33,2-1 229,-1 0 85,1 0 46,1-1 745,0 2-557,-2-1-396,0 1-48,1 0-59,-1 0-69,-1 0 392,1-1-113,-1 0-100,1 0-84,-1 0-47,0-1-75,1 1-54,-1-2 7,1 2 30,-1 0-1,0 1 37,3-5 166,2 0 73,-4 4-16,0-1-87,-1 1-73,1 0-61,-1 0-8,0-2-38,0 1-14,-1 1 45,1 0 68,0-1 89,0 1 109,-2-8 27,-2 3-64,-2 2-58,-3 1-52,0 2-47,-1 1-38,-9 0 46,8 1-105,-26 0 238,1 2-102,-5 3-58,-19 4-35,41-6-94,-46 6 31,-20 2-48,69-10-10,-123 11 53,96-10-12,-2-1 34,-15 2 76,-22-2 81,-54-2 217,63 0-193,-62 4 181,51 2-210,-34-2 212,87 1-283,9-2-94,-1-1-79,1-2-42,15 0 0,0 0-34,1 0-19,0 0-37,1 0-42,-1 0-49,-3 1-384,3 1-104,1 1-83,2 0-63,2-2 745,0 0-735,0 0 189,1-1 14,0 0-115,0 0-132,0 0-113,0 0-312,0 0-786</inkml:trace>
   <inkml:trace contextRef="#ctx0" brushRef="#br0" timeOffset="49443">6969 1481 5504,'-1'0'167,"-1"0"82,1 0 72,0 0 61,-1-1 140,1 1 52,-1-1 1266,1 0-971,1 0-476,0 1-39,0-1 46,0 0-103,-1 0-140,1 0-95,0 0-107,0 0-116,0 1 57,0-2 1368,1 1-914,-1 1-40,0 0-35,0-1-34,1 0 149,-1-1-105,0 0-101,0 1-54,0-2-9,-1-3 93,1 3-67,0 1 84,0 1-74,-1 0 33,1 0 38,0 0 41,0 0-159,0 0 46,0-1 42,0 1 34,0-3 273,0-6 1104,0 5-993,0 3-293,0-1-77,0 1-94,0 1-112,1 0 738,2 0-121,1 1-114,1-1-106,-1 1-98,0 0-90,-1 1-84,-2-1-74,7 0 339,1 1-92,-1 1-79,-1 0-69,2 1-38,0 1-63,1 1-38,5 3-19,-5-3 6,1 1 52,-7-4-79,0 0 0,0 1 0,-1-1 0,1 1 0,-1 0 0,1 0 0,-1 0 1,0 0-1,0 1 0,0-1 0,-1 1 0,1 0 0,-1 0 0,0 0 0,1 2-11,9 15 26,-7-13-19,14 24-34,-15-25 3,-1 1 1,0-1 0,0 0-1,0 1 1,-1 0 0,0 1 23,0 6-65,-1-1 0,-1 0 0,0 6 65,-1 0-56,-1 9-32,-1-20 66,1 0 0,-1-1 1,0 0-1,-1 1 0,-3 5 22,-5 9-97,-2-2-35,-18 9-183,25-23 241,1-1-21,0 0 0,0 0 0,0-1 0,-1 0 1,-4 2 94,-6 1-131,-5-2 37,19-5 92,-1-1 0,1 0 0,0 1 0,0-1 0,0-1 1,0 1-1,0 0 0,-1-1 2,0 0 5,0 0 0,1 0-1,-1-1 1,1 1 0,0-1 0,-3-1-5,2 1 15,1-1 0,0 1 1,0-1-1,0 0 0,0 1 0,-1-3-15,2 3 25,0-1-1,0 0 1,1 0-1,-1 0 1,0 0-1,1-1 1,-1 0-25,1 1 43,-3-9 133,2 3-43,2 7-111,0 0 0,0 0 0,0 0 1,0 1-1,0-1 0,0 0 0,0 0 1,1 0-1,-1 0 0,1 1 0,0-1 1,-1 0-23,1 1 14,-1 0 0,0 1 1,1-1-1,-1 0 1,0 0-1,1 1 1,-1-1-1,1 1 0,-1-1 1,1 0-1,0 1 1,-1-1-1,1 1 1,0-1-1,0 1-14,13-5 130,3 4-67,1 2-47,-1 0-25,-14-1-1,1 0 0,0 1 0,0 0 0,0 0 0,-1 0 1,1 0-1,0 0 0,-1 1 0,1-1 0,-1 1 1,1 0 9,10 5-106,-1-2-149,-2-1-25,-2 0-42,-2 2-56,1 3-72,-1 1-329,-5-6 415,0-1 74,0 0-42,0-1-53,0 1-63,0 0-75,0 0-85,0-1-95,1 1-108,-1 0-108,1-1-103,0 1-301,1 1-772</inkml:trace>
   <inkml:trace contextRef="#ctx0" brushRef="#br0" timeOffset="50150.894">7547 1445 7552,'0'0'1002,"0"0"-370,0 0-145,0 0-48,0 0 27,1 0-82,-1 0-67,1 0-55,0 0-256,0 0 50,-1 0 46,1 0 41,0 0 160,1 0 76,0 0 379,2 0 609,-2 0-810,-1-1-49,1 1-94,-1 0-148,-1 0-177,1 0-33,-1-1-36,1 1-38,-1 0-42,0 0-43,4-5 905,0 1 143,2 3-405,-2 1-170,0-1-36,3 0 236,0-2-106,0 1-80,-1 0-49,11-2 389,-11 4-435,2 0 68,1 3 67,-6-2-317,21 6 455,-5-5-260,-9-1-128,1 1-38,0 2-38,0 1-33,11 7-25,-3 2-100,-15-11 42,0 0 1,-1 1-1,0-1 0,1 1 1,-1 0-1,0 0 0,-1 0 0,1 1 1,-1-1-1,0 0 0,0 1 1,0 0-1,-1-1 0,1 4 18,1 5-78,-1 0 0,0 0 0,-1 0 0,-1 11 78,0-19-7,0-1-1,-1 0 1,1 1 0,-1-1-1,0 0 1,-1 0 0,1 0 0,-1 0-1,1 0 1,-1 0 0,-1 1 7,-11 16-81,6-11 0,-1 0-41,4-3 22,-1-1-22,0 1 1,-1-1-1,0 0 0,0 0 1,-1-1-1,1 0 0,-5 2 122,-19 8-327,4-6 100,-1-2 58,-1-3 72,1-3 89,23-1 7,0-1 0,-1 1 0,1-1 0,0 0 0,-1 0 0,1-1 0,0 1 0,0-1 0,0 0 0,0-1 1,-2-1 0,-20-15 35,0-6 68,22 20-68,0-1-1,1 1 1,-1-1-1,1 1 1,0-1-1,1-1 1,0 1-1,0 0 1,0-1-1,1 1 1,-1-1-1,2 0 1,-1 0-1,1 0 1,0 0-1,0 0 1,1-3-35,0-5-5,0-3 85,2-21 203,0 25-233,0 6-54,1 0-32,0 0-42,0 0-46,2 0-55,0 1-59,1-1-67,1 1-73,-5 5 162,2-3-62,0 1 0,-1 1 43,-1 0-9,1 0-57,-1 1-2,1 0-57,-1 0-61,1 0-71,-1 1 23,0 0-58,0-1-61,1 2-67,-1-1-70,0 0-74,1 1-79,-1 0-83,3 0-773,2 0-969</inkml:trace>
@@ -663,7 +663,7 @@
   <inkml:trace contextRef="#ctx0" brushRef="#br0">301 747 8064,'-4'0'742,"2"0"-32,1 0-17,0 0-39,1 1-42,1-1-45,-1 0-96,1 1-39,1 0-41,-1 0-42,0 0-44,0 0-46,-1 1-47,1 0-49,-1 1 1239,2-3-85,5 2-87,-2 2-498,-1 0-232,-3-3-300,1 1-39,-1-1-104,1 2 262,1 1-61,-2 1-47,1-1-35,4 10 364,-1-9-179,-1-2-94,1 2 5,5 10 151,-4-3-204,3 6 15,0-2-79,1 4-54,-7 2-90,-2-6-16,11 58-86,-11-66 77,1 0 1,-2-1-1,1 1 0,-1 0 1,0 0-1,-1 0 1,0 0-1,0-1 0,-2 8 14,-4 11-43,-9 25-30,14-46 63,0 0 1,0 0-1,-1 0 1,0-1 0,0 1-1,-1-1 1,1 1-1,-2 0 10,-5 4-27,1 0-1,-1 0 0,-1-1 1,-2 1 27,10-6-9,-1-1 0,1 0 0,-1-1-1,0 1 1,0 0 0,1-1 0,-1 0 0,0 0 0,0 0 0,0-1 0,0 1 0,0-1 0,0 0-1,-1 0 1,1 0 0,-2-1 9,-17-6-40,0-4 60,-4-7 58,23 14-50,-1-1-1,1 1 1,-1-1 0,1 0 0,1 0-1,-3-3-27,-3-10 75,0 1 10,1 4 22,2 0-15,4 8-116,0 1-67,0 0-93,0 0-115,0 2 22,0 1-69,0 0-77,0 1-84,2 0-273,-1 0 91,1 0 85,0 1 78,-1-1 73,1 1 64,0-1 60,0 1 53,0 0-109,0 1 111,0-1 79,0 2-179,0-2 229,0 0-35,0-1 4,0 1-37,0-1-43,0 1-49,0 3-605,0 0-48,0 1-237,0 4-648</inkml:trace>
   <inkml:trace contextRef="#ctx0" brushRef="#br0" timeOffset="365.812">529 663 8320,'1'1'289,"-1"-1"-55,1 1-44,-1 0-35,4 3 427,-3-2-315,0-1 97,1 0 41,-1 0 113,-1-1-209,0 0 36,1 0 40,-1 0 41,0 0 459,0 0-421,0 0 320,0 0-179,0 0-52,0 1-192,0-1-64,0 1-59,0-1-51,0 1-24,0-1-55,0 1-27,0 0-66,1 1-37,-1-1 70,0 0 90,0 0-20,0-1 38,0 1 8,-1-1 34,1 1 36,-1-1 40,1 1 43,-1-1 46,0 1 49,0-1 52,-2 2-337,-1-1 43,-2 2 78,-3 0 175,-4 2 112,5-2-228,1 0-110,1-1-76,-5 3 100,0-2-48,-4 0 18,0-1-55,-3-1 2,-7 3-14,2 0-42,-7 0-18,-41 5 15,23-8 36,34-1-120,0 0 52,-35 0 243,27 0-215,11 0-73,0 0-32,1 0-41,-1 0-45,-8-2-429,12 1 246,3 0 31,-1 0-78,1 1-98,0-1-118,2 1 232,0 0-37,0 1-40,0-1-40,0 1-44,-1-1-47,1 1-48,0 0-51,-1 0-305,1 0-90,-1-1-294,-1 0-760</inkml:trace>
   <inkml:trace contextRef="#ctx0" brushRef="#br0" timeOffset="4200">1156 879 7552,'0'0'1002,"0"0"-370,0 0-145,0 0-48,0 0 27,0 0-85,0 0-73,0 0-61,0 0 495,0 0-345,0 0 304,0 0 451,0 0-5,0 0-97,0 0-456,0 0-260,0 0-77,0 0 57,0 0-31,-2 0 37,0 0-136,-1 1 75,-5 2 786,6-1-668,0-1-236,1 0-49,0 0-57,0 0-67,0 0 209,0 0-33,-1 0 54,0-1-81,-1 0-83,0 0-21,1 1 61,-13 5 62,0-4-63,-1-2-27,-2 4 25,-1 0-11,-33 1 9,19-4 31,-28-1 305,53-1-511,6-2-34,1 1-59,0-2-102,1 4-57,0-1 40,1 1 37,-1 0 37,0-1-150,0 1 112,1 0 65,0 0 100,-1 0 71,2 0 12,-1 0 1,0 0-36,0 0-51,0 0-68,-1 0 17,1 0-41,-1 0-47,1 0-51,-1 0 10,1 0-42,-1-1-45,1 1-46,-1 0-50,1 0-52,-1-1-55,0 1-58,0 0 648,3-2-1264,4-4-1749,-2 4 1359,3 2-745</inkml:trace>
-  <inkml:trace contextRef="#ctx0" brushRef="#br0" timeOffset="4473.474">1120 951 9728,'0'3'732,"0"-1"49,1 3 632,-3 7 2009,1-8-2254,-2-1-254,1 0-71,-2 0-90,-1 0-108,-11 5-106,13-6-353,1-1-34,-3 0 63,1 0-79,-1-2-77,0 1-24,1 0 57,-7 3 21,4-1-60,0 0 0,0-1 0,0 0 1,0 0-1,-1-1 0,0 0-53,0 1 13,-5 2 79,0 1 6,4-2-70,2 0-47,1-2-55,5 0-61,0 0 41,0 0 3,-1 0 92,0 0 107,1 0-110,1 0-43,-1 0-88,0 0-110,0 0 58,1 0-44,-1 0-47,1 0-52,-1 0-56,1 0-59,-1 0-65,1 0-67,0 0 167,0 0-36,0 0-537,0 0-319,0 0-788</inkml:trace>
+  <inkml:trace contextRef="#ctx0" brushRef="#br0" timeOffset="4473.473">1120 951 9728,'0'3'732,"0"-1"49,1 3 632,-3 7 2009,1-8-2254,-2-1-254,1 0-71,-2 0-90,-1 0-108,-11 5-106,13-6-353,1-1-34,-3 0 63,1 0-79,-1-2-77,0 1-24,1 0 57,-7 3 21,4-1-60,0 0 0,0-1 0,0 0 1,0 0-1,-1-1 0,0 0-53,0 1 13,-5 2 79,0 1 6,4-2-70,2 0-47,1-2-55,5 0-61,0 0 41,0 0 3,-1 0 92,0 0 107,1 0-110,1 0-43,-1 0-88,0 0-110,0 0 58,1 0-44,-1 0-47,1 0-52,-1 0-56,1 0-59,-1 0-65,1 0-67,0 0 167,0 0-36,0 0-537,0 0-319,0 0-788</inkml:trace>
   <inkml:trace contextRef="#ctx0" brushRef="#br0" timeOffset="6001">1758 519 8064,'0'0'1093,"0"0"-403,0 0-158,0 0-53,0 0 32,0-1-87,0 1-70,0-1-53,0-5 427,0 4-374,0 0 229,0 2 434,0 0 732,0 0 11,0-1-952,0 0-48,0-2-378,0 2-38,0 0-36,0 0-32,0 3 186,0 2-106,2 0 455,3 4-78,-1 3-85,-2-5-367,-1 1-35,1 0-40,-1 0-42,0-1-51,1 0-50,-1 0-55,0-2-59,1 14 99,-2-6-54,0 23 74,0-21-91,0-3-44,0 0-56,0 0-71,0-1-85,0-6 226,1 0-53,-1 0-54,1 1-53,0-1-53,0 0-55,1 0-53,-1 0-54,1 0-54,-1 0-55,1-1-54,0 1-54,0-1-56,0 0-54,0-1-55,0 0-55,-1 0 15,0-2-43,0 0-56,0 1-65,1-1 149,0 0-40,0 0-220,2 0-604</inkml:trace>
   <inkml:trace contextRef="#ctx0" brushRef="#br0" timeOffset="6348">2082 903 10112,'0'0'1343,"0"0"-494,0 0-195,0 0-66,0 0 38,0 0-118,0 0-107,0 0-96,0 0-45,0 2 211,0 1-90,0 2 320,0-3 467,0-2-37,0 0-96,0 0-469,-2 2-252,-5 3 180,-2-2-50,-2 0-50,-2-2-51,0-1-48,-1 0-49,1 0-48,0-1-48,-1 0-37,3 1-60,-21 2 97,0 2-52,-21 2 12,5-6-27,21 0 7,4 0 26,-3 0 53,9 0-230,5 0-55,3 0-92,5 0 51,0 0-42,-4-1-720,2-1-76,3 1 269,0-1-68,0 0-53,0 0-88,0 1-26,1 0-105,-1 1-315,-1 0-805</inkml:trace>
   <inkml:trace contextRef="#ctx0" brushRef="#br0" timeOffset="6934">1662 1192 7552,'-9'-4'1002,"4"1"-370,2 1-145,0 1-48,0 0 27,2 0-82,1 1-67,0 0-55,0 0 334,0 0-317,0 0 183,0 0 345,0 0 542,-2 0-977,0 0 91,1 0 80,0-1 67,0 1 193,0 0 57,0-2 1850,1 2-1415,1-1-695,-1 1-42,0-1 102,1 0-115,0 1-193,-1-1-108,1 1-118,-1-1-112,1 1-34,-1-1-92,1 1-104,-1-1-110,1 1-118,2-2 775,0 1-103,0 0-60,4 2-54,-1-1-37,-2-1 35,18-7 210,3 5-41,29 3 183,-21 1-225,-28-1-213,20 0 85,2 3-42,-2 5-56,-22-7-20,0 1-1,0-1 0,0 1 1,0 0-1,-1 0 0,1 0 1,0 1 7,1 1-15,1 1 1,-1 0-1,0 0 1,0 1 0,0-1-1,1 4 15,1 7-54,-4 1-35,-3-6 43,0 1 1,-1-1-1,0 2 46,-2 12-81,2-10-9,-2 14-156,-1-15 36,0-1 1,-1 0 0,-4 5 209,2-1-178,1-6 48,0 0 0,0 0-1,-3 1 131,-1 3-102,0 0 35,2 0 47,2 1 62,1-3 159,6-13-192,0 0 1,0 0 0,0 0 0,0 1-1,-1-1 1,1 0 0,0 0-1,0 0 1,0 1 0,0-1-1,0 0 1,0 0 0,-1 0 0,1 1-1,0-1 1,0 0 0,0 0-1,0 1 1,0-1 0,0 0 0,0 0-1,0 1 1,0-1 0,0 0-1,0 0 1,0 1 0,0-1 0,1 0-1,-1 0 1,0 0 0,0 1-1,0-1 1,0 0 0,0 0 0,0 1-10,6 2 227,7 1 55,6 1 59,2-2-69,0-1-86,-1-2-105,-10 0-140,0 0 40,33 0 114,-31 0-134,1 0-95,-6 0 5,0 0-46,0 0-53,1 0-59,-1 0-65,0 0-72,1 0-77,-1 0-84,0 0-181,-3 0 333,0 0-49,0-1-253,-1 1 321,-1-1-36,1 0-37,-1 1-36,3-2-611,1-1-346,2-1-874</inkml:trace>
@@ -671,7 +671,7 @@
   <inkml:trace contextRef="#ctx0" brushRef="#br0" timeOffset="13620.607">5344 96 6912,'-4'-8'933,"2"3"-343,0 1-134,0 1-46,1 1 28,0 1-76,1 1-64,-2 1-52,2 0-339,-1 0 111,0 1 98,0-1 80,-1 0 104,1 1 62,-2 4 1006,3-3-824,-1-1-269,1-1-49,0 1 1038,0-3 37,0-1-695,0 0-37,0-1-43,0 0-47,0 0-54,0 1-58,0-1-8,0 1-104,0 1-116,0 1-125,0-3 530,0 0-90,0 0 6,0-1-107,0 2-148,1-1-39,-1-1 78,5 1 142,-2 3-213,0 1 58,5 1 155,-2-3-84,1-3-67,-1-2-47,-4 3-122,1 1-1,0-1 0,0 1 1,0 0-1,0 0 1,2-1-66,10-5 192,10-5 124,-5 10-206,-8 3-101,14 0-16,-24 0 7,-1 1 0,1-1 0,-1 0-1,0 1 1,0 0 0,1-1 0,-1 1 0,0 0 0,0-1 0,0 1 0,1 0 0,-1 0 0,0 0 0,0 0-1,0 0 1,-1 0 0,2 1 0,3 5 0,6 10-29,-5-3-38,-3 4 4,-3 38-140,-3-27 133,-1-3 36,-2 0 34,2-5 33,0-1 34,1 0 40,2-1 46,1-11-30,2 1 69,0 0 80,7 10 418,-5-14-481,1 0-63,-1-2-51,8 3 203,2-2-81,-3-1-108,0 0-34,22 8 19,-22-7-99,1-1-51,-3-1-44,1 0-60,-1 1-71,-1-2-84,0 1-307,-1-1-61,0 0 44,-1 1-40,6 0-782,-1 1-116,1 0-90,-5 0 521,0 1-78,2 1-320,4 3-856</inkml:trace>
   <inkml:trace contextRef="#ctx0" brushRef="#br0" timeOffset="48428">3624 976 7808,'0'0'1059,"0"0"-390,0 0-153,0 0-51,0 0 31,0 0-87,1-1-74,0 0-60,7-7 599,-6 7-409,-2 0 329,0 1-451,0 1-35,-1 0 215,1 1-114,0 0-96,0 0-45,0 1-89,0 0-45,1 2 1,-1-1 49,0-3 38,0 10 25,0-1-46,-1 1-41,1 0-34,0 5 3,-1-1-45,3 35 57,0-29-45,0-11-27,0 0-92,0 1-115,0-5 18,-1-1-38,0 1-41,1-1-45,-1 0-46,1 0-52,-1 0-53,0 0-56,1 0-60,-1-1-62,0-1-133,0 0-94,-1 1-253,0 0-628</inkml:trace>
   <inkml:trace contextRef="#ctx0" brushRef="#br0" timeOffset="48808">4178 844 10368,'1'0'274,"1"0"49,-1 0 43,0 0 33,0-1 161,2 0 1099,-2 1-978,0-1-123,-1 0-70,0 0-85,1-1-118,-1 2-193,0-1-39,0 0-41,0 0-43,0-1 293,0 2 436,0 0-363,0 0 77,0 0-104,0 0-35,0 0-50,0 0-35,-2 0 27,0 1-89,0 1-61,-1 2-67,1-2-4,1-1 40,-1-1-36,0 1 1,1 0-1,-1-1 0,0 0 1,0 1-1,0-1 1,0 0-1,0 0 0,1 0 1,-3 0 1,-10 1-6,-14 5 71,17-4 4,0-1 0,0 0 0,-3-1-69,2 0 30,6 0 8,0 1 0,0-2-1,0 1 1,1-1 0,-1 0-38,-6-3 7,-1-2-73,10 4-140,-6-3-86,6 3 148,0 1-72,1 1 55,1-1-34,-1 1-41,0-1-44,0 1-48,1 0-53,-1 0-59,0 0-62,1 0-265,1 0-109,-1 0-280,1 0-695</inkml:trace>
-  <inkml:trace contextRef="#ctx0" brushRef="#br0" timeOffset="49224.639">4756 639 8960,'0'13'1218,"0"-6"-449,0-1-176,0-2-59,0 0 34,0-3-103,0 0-91,0-1-79,0 0-22,0 0 286,0 0-122,0 0 352,0 0 571,0 0-11,0 0-749,0 0-53,0 1-44,0 2-83,-1 10-44,0 1-88,-4 1-91,-2 1-93,-11 12-8,2-1-3,0 0 1,-5 16-94,-5 19 80,-13 7-40,10-18-32,13-21 44,-10 12-52,14-23 41,0 0-1,-6 18-40,9-19 30,1-2-100,3-9-14,1 0-39,-1 0-44,0 0-48,3-5 38,1 0 39,-1 1-41,0 1 87,-2 4 10,3-5-11,1 0-34,-1-1-67,1 1-81,-1-1-97,1 0 40,0 0-64,0 1-67,0-1-73,0 0-80,0 0-84,0 1-90,0-1-96,0 0 57,0-1-67,0 2-243,0 1-642</inkml:trace>
+  <inkml:trace contextRef="#ctx0" brushRef="#br0" timeOffset="49224.638">4756 639 8960,'0'13'1218,"0"-6"-449,0-1-176,0-2-59,0 0 34,0-3-103,0 0-91,0-1-79,0 0-22,0 0 286,0 0-122,0 0 352,0 0 571,0 0-11,0 0-749,0 0-53,0 1-44,0 2-83,-1 10-44,0 1-88,-4 1-91,-2 1-93,-11 12-8,2-1-3,0 0 1,-5 16-94,-5 19 80,-13 7-40,10-18-32,13-21 44,-10 12-52,14-23 41,0 0-1,-6 18-40,9-19 30,1-2-100,3-9-14,1 0-39,-1 0-44,0 0-48,3-5 38,1 0 39,-1 1-41,0 1 87,-2 4 10,3-5-11,1 0-34,-1-1-67,1 1-81,-1-1-97,1 0 40,0 0-64,0 1-67,0-1-73,0 0-80,0 0-84,0 1-90,0-1-96,0 0 57,0-1-67,0 2-243,0 1-642</inkml:trace>
   <inkml:trace contextRef="#ctx0" brushRef="#br0" timeOffset="49524.466">4298 687 9984,'-4'-8'1309,"1"3"-482,2 1-189,-1 1-63,1 1 38,1 0-103,0 1-85,1 0-64,5-5 512,-4 4-450,0 1 86,0 2 827,-1 0-1255,0 0 107,0 0 152,1 1 94,0 0 52,3 4 709,-1-3-552,-2-2-376,0 0-58,0 0-69,0 0-80,9 3 298,-2 0-105,1 1-57,6 8-38,15 23 2,-25-27-142,1-1 0,0 1 0,0-2 1,1 1-1,1 0-18,-5-5-113,0 1 35,5 3 9,15 12 105,-13-10-73,-5-5-31,0 1-48,0-1-58,1 1-69,-3-2 52,0-1-34,-1 1-35,1-1-40,0 1-40,0-1-45,0 0-46,0 1-48,0-1-52,0 0-55,0 0-56,0 0-59,0-1-62,0 1-64,0-1-67,0 1-70,2-1-1039,2 0-1103</inkml:trace>
   <inkml:trace contextRef="#ctx0" brushRef="#br0" timeOffset="7484">2661 422 7808,'1'-6'1782,"0"2"-657,0 1-294,0 2-467,0 0-44,-1 0-89,1 0-38,0 0-40,-1 0-43,1 0-48,0 1-51,-1-1-54,1 0-56,1 0 547,-2 0 341,0 1 480,0 0-80,3 0-598,2 0 902,-4 1-539,-1-1-400,-1 1-48,1 1-58,-2-1-72,0 1-54,0 1-119,1-1-151,-1 0-35,1 0-38,-1 0-39,-7 15 295,-7 18 254,6-11-161,3-9-148,-1 4 79,2 0-45,-2 17 117,4-16-170,-4 30 208,4-5-105,2-18-139,-2 46 133,4-57-184,1 1 0,1 0 0,1 3-74,7 36 101,28 141 246,-33-177-376,-2-11 43,1 0 0,-1 0 1,4 4-15,0-2-13,0 0-37,3 5-112,-4-8 29,0 0-42,2 3-94,0 0-74,-3-4 208,1 1-70,-1-1-71,1 0-74,0 0-75,0 0-77,0 0-79,0 0-79,1-1-82,0 1-84,0 0-85,1-1-87,0 1-88,1-1-90,0 0-93,1 0-93,10 7-757,16 9-956</inkml:trace>
   <inkml:trace contextRef="#ctx0" brushRef="#br0" timeOffset="47632.259">3106 699 256,'0'-2'-172,"0"0"37,0 0 33,0 0 35,0-2 29,0 0 124,0 0 116,0 1 108,0-1 100,0 1 93,0-2 212,0 1 109,0 0 95,0 0 82,0-1 289,0 0 76,0-1 339,0-3 907,1 6-2253,-1 0-52,1 0-45,0 1-41,0-1 0,0 1-39,1-1-3,1 0 47,-2 2 77,0 0-72,-1 1-63,0-1-53,0-1-34,1 1-47,-2-2-47,1 2 39,0-1 89,0 2 34,1-1 77,-1 1 30,0-1 70,1 1 81,-1 0 86,5-1 34,-2-1-45,2-5 380,-4 6-787,-1 0-1,1 0 1,-1 0-1,1 0 1,-1 1-1,1-1 1,-1 0-1,1 0 1,0 1-1,-1-1 1,1 0-1,0 1 1,0-1-1,-1 1 1,1-1-1,0 1 1,0 0-1,0-1 1,0 1-1,0 0 1,0-1-1,0 1 1,0 0-1,0 0 1,0 0-75,0 0 418,1-1-95,-1 0-82,1 0-70,-1 0-38,1 0-59,1-4 16,-2 4-14,0 0 78,6-5 242,1 2-45,-1 3-45,1 1-44,-1 2-46,1 2-45,-1-1-46,0 2-46,-1-2-47,1 1-40,3 4 36,-10-6-28,1-1 0,-1 0 0,1 0 0,-1 1-1,0-1 1,1 0 0,-1 1 0,0-1 0,0 0 0,0 1 0,0-1 0,1 11-11,8 43-124,-8-29 113,-1 7 41,0 7 33,0 1-43,0 151-136,0-132 168,0-1 106,0-51-96,0 1-1,1 0 1,0 0 0,0 0-1,3 8-50,3 1 0,-1-8-40,0-1-34,3 3-51,-3-4-53,1 1-110,-4-5 94,0 1-39,0-1-43,0 0-46,2 3-401,1-2-92,0-1-85,-1-1-78,1 1-175,-2-1-75,-2 0 146,0 1-606,0-1-326,1-1 116,4-2-881</inkml:trace>
@@ -6442,11 +6442,11 @@
           <a:p>
             <a:r>
               <a:rPr lang="en-US" dirty="0" err="1"/>
-              <a:t>Jupyter</a:t>
+              <a:t>Colab</a:t>
             </a:r>
             <a:r>
               <a:rPr lang="en-US" dirty="0"/>
-              <a:t> Notebook found     which minimized                                          :</a:t>
+              <a:t> notebook found     which minimized                                          :</a:t>
             </a:r>
             <a:br>
               <a:rPr lang="en-US" dirty="0"/>
@@ -6514,7 +6514,7 @@
         </p:blipFill>
         <p:spPr>
           <a:xfrm>
-            <a:off x="4795522" y="2000069"/>
+            <a:off x="4510690" y="1997006"/>
             <a:ext cx="177113" cy="160042"/>
           </a:xfrm>
           <a:prstGeom prst="rect">
@@ -6554,7 +6554,7 @@
         </p:blipFill>
         <p:spPr>
           <a:xfrm>
-            <a:off x="7660637" y="1845561"/>
+            <a:off x="7365145" y="1880925"/>
             <a:ext cx="3164571" cy="381968"/>
           </a:xfrm>
           <a:prstGeom prst="rect">
